--- a/Resources/R_Cheatsheet.pptx
+++ b/Resources/R_Cheatsheet.pptx
@@ -197,7 +197,7 @@
           <a:p>
             <a:fld id="{7105475D-7598-F44C-A795-5016ED708064}" type="datetimeFigureOut">
               <a:rPr lang="en-US" smtClean="0"/>
-              <a:t>1/16/18</a:t>
+              <a:t>9/11/19</a:t>
             </a:fld>
             <a:endParaRPr lang="en-US"/>
           </a:p>
@@ -261,38 +261,37 @@
           <a:p>
             <a:pPr lvl="0"/>
             <a:r>
-              <a:rPr lang="en-US" smtClean="0"/>
+              <a:rPr lang="en-US"/>
               <a:t>Click to edit Master text styles</a:t>
             </a:r>
           </a:p>
           <a:p>
             <a:pPr lvl="1"/>
             <a:r>
-              <a:rPr lang="en-US" smtClean="0"/>
+              <a:rPr lang="en-US"/>
               <a:t>Second level</a:t>
             </a:r>
           </a:p>
           <a:p>
             <a:pPr lvl="2"/>
             <a:r>
-              <a:rPr lang="en-US" smtClean="0"/>
+              <a:rPr lang="en-US"/>
               <a:t>Third level</a:t>
             </a:r>
           </a:p>
           <a:p>
             <a:pPr lvl="3"/>
             <a:r>
-              <a:rPr lang="en-US" smtClean="0"/>
+              <a:rPr lang="en-US"/>
               <a:t>Fourth level</a:t>
             </a:r>
           </a:p>
           <a:p>
             <a:pPr lvl="4"/>
             <a:r>
-              <a:rPr lang="en-US" smtClean="0"/>
+              <a:rPr lang="en-US"/>
               <a:t>Fifth level</a:t>
             </a:r>
-            <a:endParaRPr lang="en-US"/>
           </a:p>
         </p:txBody>
       </p:sp>
@@ -591,7 +590,7 @@
           </a:lstStyle>
           <a:p>
             <a:r>
-              <a:rPr lang="en-US" smtClean="0"/>
+              <a:rPr lang="en-US"/>
               <a:t>Click to edit Master title style</a:t>
             </a:r>
             <a:endParaRPr lang="en-US" dirty="0"/>
@@ -656,7 +655,7 @@
           </a:lstStyle>
           <a:p>
             <a:r>
-              <a:rPr lang="en-US" smtClean="0"/>
+              <a:rPr lang="en-US"/>
               <a:t>Click to edit Master subtitle style</a:t>
             </a:r>
             <a:endParaRPr lang="en-US" dirty="0"/>
@@ -680,7 +679,7 @@
           <a:p>
             <a:fld id="{F5FC671D-FC3B-5049-AFF2-F401565E3390}" type="datetimeFigureOut">
               <a:rPr lang="en-US" smtClean="0"/>
-              <a:t>1/16/18</a:t>
+              <a:t>9/11/19</a:t>
             </a:fld>
             <a:endParaRPr lang="en-US"/>
           </a:p>
@@ -769,7 +768,7 @@
           <a:lstStyle/>
           <a:p>
             <a:r>
-              <a:rPr lang="en-US" smtClean="0"/>
+              <a:rPr lang="en-US"/>
               <a:t>Click to edit Master title style</a:t>
             </a:r>
             <a:endParaRPr lang="en-US" dirty="0"/>
@@ -793,35 +792,35 @@
           <a:p>
             <a:pPr lvl="0"/>
             <a:r>
-              <a:rPr lang="en-US" smtClean="0"/>
+              <a:rPr lang="en-US"/>
               <a:t>Click to edit Master text styles</a:t>
             </a:r>
           </a:p>
           <a:p>
             <a:pPr lvl="1"/>
             <a:r>
-              <a:rPr lang="en-US" smtClean="0"/>
+              <a:rPr lang="en-US"/>
               <a:t>Second level</a:t>
             </a:r>
           </a:p>
           <a:p>
             <a:pPr lvl="2"/>
             <a:r>
-              <a:rPr lang="en-US" smtClean="0"/>
+              <a:rPr lang="en-US"/>
               <a:t>Third level</a:t>
             </a:r>
           </a:p>
           <a:p>
             <a:pPr lvl="3"/>
             <a:r>
-              <a:rPr lang="en-US" smtClean="0"/>
+              <a:rPr lang="en-US"/>
               <a:t>Fourth level</a:t>
             </a:r>
           </a:p>
           <a:p>
             <a:pPr lvl="4"/>
             <a:r>
-              <a:rPr lang="en-US" smtClean="0"/>
+              <a:rPr lang="en-US"/>
               <a:t>Fifth level</a:t>
             </a:r>
             <a:endParaRPr lang="en-US" dirty="0"/>
@@ -845,7 +844,7 @@
           <a:p>
             <a:fld id="{F5FC671D-FC3B-5049-AFF2-F401565E3390}" type="datetimeFigureOut">
               <a:rPr lang="en-US" smtClean="0"/>
-              <a:t>1/16/18</a:t>
+              <a:t>9/11/19</a:t>
             </a:fld>
             <a:endParaRPr lang="en-US"/>
           </a:p>
@@ -939,7 +938,7 @@
           <a:lstStyle/>
           <a:p>
             <a:r>
-              <a:rPr lang="en-US" smtClean="0"/>
+              <a:rPr lang="en-US"/>
               <a:t>Click to edit Master title style</a:t>
             </a:r>
             <a:endParaRPr lang="en-US" dirty="0"/>
@@ -968,35 +967,35 @@
           <a:p>
             <a:pPr lvl="0"/>
             <a:r>
-              <a:rPr lang="en-US" smtClean="0"/>
+              <a:rPr lang="en-US"/>
               <a:t>Click to edit Master text styles</a:t>
             </a:r>
           </a:p>
           <a:p>
             <a:pPr lvl="1"/>
             <a:r>
-              <a:rPr lang="en-US" smtClean="0"/>
+              <a:rPr lang="en-US"/>
               <a:t>Second level</a:t>
             </a:r>
           </a:p>
           <a:p>
             <a:pPr lvl="2"/>
             <a:r>
-              <a:rPr lang="en-US" smtClean="0"/>
+              <a:rPr lang="en-US"/>
               <a:t>Third level</a:t>
             </a:r>
           </a:p>
           <a:p>
             <a:pPr lvl="3"/>
             <a:r>
-              <a:rPr lang="en-US" smtClean="0"/>
+              <a:rPr lang="en-US"/>
               <a:t>Fourth level</a:t>
             </a:r>
           </a:p>
           <a:p>
             <a:pPr lvl="4"/>
             <a:r>
-              <a:rPr lang="en-US" smtClean="0"/>
+              <a:rPr lang="en-US"/>
               <a:t>Fifth level</a:t>
             </a:r>
             <a:endParaRPr lang="en-US" dirty="0"/>
@@ -1020,7 +1019,7 @@
           <a:p>
             <a:fld id="{F5FC671D-FC3B-5049-AFF2-F401565E3390}" type="datetimeFigureOut">
               <a:rPr lang="en-US" smtClean="0"/>
-              <a:t>1/16/18</a:t>
+              <a:t>9/11/19</a:t>
             </a:fld>
             <a:endParaRPr lang="en-US"/>
           </a:p>
@@ -1109,7 +1108,7 @@
           <a:lstStyle/>
           <a:p>
             <a:r>
-              <a:rPr lang="en-US" smtClean="0"/>
+              <a:rPr lang="en-US"/>
               <a:t>Click to edit Master title style</a:t>
             </a:r>
             <a:endParaRPr lang="en-US" dirty="0"/>
@@ -1133,35 +1132,35 @@
           <a:p>
             <a:pPr lvl="0"/>
             <a:r>
-              <a:rPr lang="en-US" smtClean="0"/>
+              <a:rPr lang="en-US"/>
               <a:t>Click to edit Master text styles</a:t>
             </a:r>
           </a:p>
           <a:p>
             <a:pPr lvl="1"/>
             <a:r>
-              <a:rPr lang="en-US" smtClean="0"/>
+              <a:rPr lang="en-US"/>
               <a:t>Second level</a:t>
             </a:r>
           </a:p>
           <a:p>
             <a:pPr lvl="2"/>
             <a:r>
-              <a:rPr lang="en-US" smtClean="0"/>
+              <a:rPr lang="en-US"/>
               <a:t>Third level</a:t>
             </a:r>
           </a:p>
           <a:p>
             <a:pPr lvl="3"/>
             <a:r>
-              <a:rPr lang="en-US" smtClean="0"/>
+              <a:rPr lang="en-US"/>
               <a:t>Fourth level</a:t>
             </a:r>
           </a:p>
           <a:p>
             <a:pPr lvl="4"/>
             <a:r>
-              <a:rPr lang="en-US" smtClean="0"/>
+              <a:rPr lang="en-US"/>
               <a:t>Fifth level</a:t>
             </a:r>
             <a:endParaRPr lang="en-US" dirty="0"/>
@@ -1185,7 +1184,7 @@
           <a:p>
             <a:fld id="{F5FC671D-FC3B-5049-AFF2-F401565E3390}" type="datetimeFigureOut">
               <a:rPr lang="en-US" smtClean="0"/>
-              <a:t>1/16/18</a:t>
+              <a:t>9/11/19</a:t>
             </a:fld>
             <a:endParaRPr lang="en-US"/>
           </a:p>
@@ -1283,7 +1282,7 @@
           </a:lstStyle>
           <a:p>
             <a:r>
-              <a:rPr lang="en-US" smtClean="0"/>
+              <a:rPr lang="en-US"/>
               <a:t>Click to edit Master title style</a:t>
             </a:r>
             <a:endParaRPr lang="en-US" dirty="0"/>
@@ -1403,7 +1402,7 @@
           <a:p>
             <a:pPr lvl="0"/>
             <a:r>
-              <a:rPr lang="en-US" smtClean="0"/>
+              <a:rPr lang="en-US"/>
               <a:t>Click to edit Master text styles</a:t>
             </a:r>
           </a:p>
@@ -1426,7 +1425,7 @@
           <a:p>
             <a:fld id="{F5FC671D-FC3B-5049-AFF2-F401565E3390}" type="datetimeFigureOut">
               <a:rPr lang="en-US" smtClean="0"/>
-              <a:t>1/16/18</a:t>
+              <a:t>9/11/19</a:t>
             </a:fld>
             <a:endParaRPr lang="en-US"/>
           </a:p>
@@ -1515,7 +1514,7 @@
           <a:lstStyle/>
           <a:p>
             <a:r>
-              <a:rPr lang="en-US" smtClean="0"/>
+              <a:rPr lang="en-US"/>
               <a:t>Click to edit Master title style</a:t>
             </a:r>
             <a:endParaRPr lang="en-US" dirty="0"/>
@@ -1544,35 +1543,35 @@
           <a:p>
             <a:pPr lvl="0"/>
             <a:r>
-              <a:rPr lang="en-US" smtClean="0"/>
+              <a:rPr lang="en-US"/>
               <a:t>Click to edit Master text styles</a:t>
             </a:r>
           </a:p>
           <a:p>
             <a:pPr lvl="1"/>
             <a:r>
-              <a:rPr lang="en-US" smtClean="0"/>
+              <a:rPr lang="en-US"/>
               <a:t>Second level</a:t>
             </a:r>
           </a:p>
           <a:p>
             <a:pPr lvl="2"/>
             <a:r>
-              <a:rPr lang="en-US" smtClean="0"/>
+              <a:rPr lang="en-US"/>
               <a:t>Third level</a:t>
             </a:r>
           </a:p>
           <a:p>
             <a:pPr lvl="3"/>
             <a:r>
-              <a:rPr lang="en-US" smtClean="0"/>
+              <a:rPr lang="en-US"/>
               <a:t>Fourth level</a:t>
             </a:r>
           </a:p>
           <a:p>
             <a:pPr lvl="4"/>
             <a:r>
-              <a:rPr lang="en-US" smtClean="0"/>
+              <a:rPr lang="en-US"/>
               <a:t>Fifth level</a:t>
             </a:r>
             <a:endParaRPr lang="en-US" dirty="0"/>
@@ -1601,35 +1600,35 @@
           <a:p>
             <a:pPr lvl="0"/>
             <a:r>
-              <a:rPr lang="en-US" smtClean="0"/>
+              <a:rPr lang="en-US"/>
               <a:t>Click to edit Master text styles</a:t>
             </a:r>
           </a:p>
           <a:p>
             <a:pPr lvl="1"/>
             <a:r>
-              <a:rPr lang="en-US" smtClean="0"/>
+              <a:rPr lang="en-US"/>
               <a:t>Second level</a:t>
             </a:r>
           </a:p>
           <a:p>
             <a:pPr lvl="2"/>
             <a:r>
-              <a:rPr lang="en-US" smtClean="0"/>
+              <a:rPr lang="en-US"/>
               <a:t>Third level</a:t>
             </a:r>
           </a:p>
           <a:p>
             <a:pPr lvl="3"/>
             <a:r>
-              <a:rPr lang="en-US" smtClean="0"/>
+              <a:rPr lang="en-US"/>
               <a:t>Fourth level</a:t>
             </a:r>
           </a:p>
           <a:p>
             <a:pPr lvl="4"/>
             <a:r>
-              <a:rPr lang="en-US" smtClean="0"/>
+              <a:rPr lang="en-US"/>
               <a:t>Fifth level</a:t>
             </a:r>
             <a:endParaRPr lang="en-US" dirty="0"/>
@@ -1653,7 +1652,7 @@
           <a:p>
             <a:fld id="{F5FC671D-FC3B-5049-AFF2-F401565E3390}" type="datetimeFigureOut">
               <a:rPr lang="en-US" smtClean="0"/>
-              <a:t>1/16/18</a:t>
+              <a:t>9/11/19</a:t>
             </a:fld>
             <a:endParaRPr lang="en-US"/>
           </a:p>
@@ -1747,7 +1746,7 @@
           <a:lstStyle/>
           <a:p>
             <a:r>
-              <a:rPr lang="en-US" smtClean="0"/>
+              <a:rPr lang="en-US"/>
               <a:t>Click to edit Master title style</a:t>
             </a:r>
             <a:endParaRPr lang="en-US" dirty="0"/>
@@ -1813,7 +1812,7 @@
           <a:p>
             <a:pPr lvl="0"/>
             <a:r>
-              <a:rPr lang="en-US" smtClean="0"/>
+              <a:rPr lang="en-US"/>
               <a:t>Click to edit Master text styles</a:t>
             </a:r>
           </a:p>
@@ -1841,35 +1840,35 @@
           <a:p>
             <a:pPr lvl="0"/>
             <a:r>
-              <a:rPr lang="en-US" smtClean="0"/>
+              <a:rPr lang="en-US"/>
               <a:t>Click to edit Master text styles</a:t>
             </a:r>
           </a:p>
           <a:p>
             <a:pPr lvl="1"/>
             <a:r>
-              <a:rPr lang="en-US" smtClean="0"/>
+              <a:rPr lang="en-US"/>
               <a:t>Second level</a:t>
             </a:r>
           </a:p>
           <a:p>
             <a:pPr lvl="2"/>
             <a:r>
-              <a:rPr lang="en-US" smtClean="0"/>
+              <a:rPr lang="en-US"/>
               <a:t>Third level</a:t>
             </a:r>
           </a:p>
           <a:p>
             <a:pPr lvl="3"/>
             <a:r>
-              <a:rPr lang="en-US" smtClean="0"/>
+              <a:rPr lang="en-US"/>
               <a:t>Fourth level</a:t>
             </a:r>
           </a:p>
           <a:p>
             <a:pPr lvl="4"/>
             <a:r>
-              <a:rPr lang="en-US" smtClean="0"/>
+              <a:rPr lang="en-US"/>
               <a:t>Fifth level</a:t>
             </a:r>
             <a:endParaRPr lang="en-US" dirty="0"/>
@@ -1935,7 +1934,7 @@
           <a:p>
             <a:pPr lvl="0"/>
             <a:r>
-              <a:rPr lang="en-US" smtClean="0"/>
+              <a:rPr lang="en-US"/>
               <a:t>Click to edit Master text styles</a:t>
             </a:r>
           </a:p>
@@ -1963,35 +1962,35 @@
           <a:p>
             <a:pPr lvl="0"/>
             <a:r>
-              <a:rPr lang="en-US" smtClean="0"/>
+              <a:rPr lang="en-US"/>
               <a:t>Click to edit Master text styles</a:t>
             </a:r>
           </a:p>
           <a:p>
             <a:pPr lvl="1"/>
             <a:r>
-              <a:rPr lang="en-US" smtClean="0"/>
+              <a:rPr lang="en-US"/>
               <a:t>Second level</a:t>
             </a:r>
           </a:p>
           <a:p>
             <a:pPr lvl="2"/>
             <a:r>
-              <a:rPr lang="en-US" smtClean="0"/>
+              <a:rPr lang="en-US"/>
               <a:t>Third level</a:t>
             </a:r>
           </a:p>
           <a:p>
             <a:pPr lvl="3"/>
             <a:r>
-              <a:rPr lang="en-US" smtClean="0"/>
+              <a:rPr lang="en-US"/>
               <a:t>Fourth level</a:t>
             </a:r>
           </a:p>
           <a:p>
             <a:pPr lvl="4"/>
             <a:r>
-              <a:rPr lang="en-US" smtClean="0"/>
+              <a:rPr lang="en-US"/>
               <a:t>Fifth level</a:t>
             </a:r>
             <a:endParaRPr lang="en-US" dirty="0"/>
@@ -2015,7 +2014,7 @@
           <a:p>
             <a:fld id="{F5FC671D-FC3B-5049-AFF2-F401565E3390}" type="datetimeFigureOut">
               <a:rPr lang="en-US" smtClean="0"/>
-              <a:t>1/16/18</a:t>
+              <a:t>9/11/19</a:t>
             </a:fld>
             <a:endParaRPr lang="en-US"/>
           </a:p>
@@ -2104,7 +2103,7 @@
           <a:lstStyle/>
           <a:p>
             <a:r>
-              <a:rPr lang="en-US" smtClean="0"/>
+              <a:rPr lang="en-US"/>
               <a:t>Click to edit Master title style</a:t>
             </a:r>
             <a:endParaRPr lang="en-US" dirty="0"/>
@@ -2128,7 +2127,7 @@
           <a:p>
             <a:fld id="{F5FC671D-FC3B-5049-AFF2-F401565E3390}" type="datetimeFigureOut">
               <a:rPr lang="en-US" smtClean="0"/>
-              <a:t>1/16/18</a:t>
+              <a:t>9/11/19</a:t>
             </a:fld>
             <a:endParaRPr lang="en-US"/>
           </a:p>
@@ -2218,7 +2217,7 @@
           <a:p>
             <a:fld id="{F5FC671D-FC3B-5049-AFF2-F401565E3390}" type="datetimeFigureOut">
               <a:rPr lang="en-US" smtClean="0"/>
-              <a:t>1/16/18</a:t>
+              <a:t>9/11/19</a:t>
             </a:fld>
             <a:endParaRPr lang="en-US"/>
           </a:p>
@@ -2316,7 +2315,7 @@
           </a:lstStyle>
           <a:p>
             <a:r>
-              <a:rPr lang="en-US" smtClean="0"/>
+              <a:rPr lang="en-US"/>
               <a:t>Click to edit Master title style</a:t>
             </a:r>
             <a:endParaRPr lang="en-US" dirty="0"/>
@@ -2373,35 +2372,35 @@
           <a:p>
             <a:pPr lvl="0"/>
             <a:r>
-              <a:rPr lang="en-US" smtClean="0"/>
+              <a:rPr lang="en-US"/>
               <a:t>Click to edit Master text styles</a:t>
             </a:r>
           </a:p>
           <a:p>
             <a:pPr lvl="1"/>
             <a:r>
-              <a:rPr lang="en-US" smtClean="0"/>
+              <a:rPr lang="en-US"/>
               <a:t>Second level</a:t>
             </a:r>
           </a:p>
           <a:p>
             <a:pPr lvl="2"/>
             <a:r>
-              <a:rPr lang="en-US" smtClean="0"/>
+              <a:rPr lang="en-US"/>
               <a:t>Third level</a:t>
             </a:r>
           </a:p>
           <a:p>
             <a:pPr lvl="3"/>
             <a:r>
-              <a:rPr lang="en-US" smtClean="0"/>
+              <a:rPr lang="en-US"/>
               <a:t>Fourth level</a:t>
             </a:r>
           </a:p>
           <a:p>
             <a:pPr lvl="4"/>
             <a:r>
-              <a:rPr lang="en-US" smtClean="0"/>
+              <a:rPr lang="en-US"/>
               <a:t>Fifth level</a:t>
             </a:r>
             <a:endParaRPr lang="en-US" dirty="0"/>
@@ -2467,7 +2466,7 @@
           <a:p>
             <a:pPr lvl="0"/>
             <a:r>
-              <a:rPr lang="en-US" smtClean="0"/>
+              <a:rPr lang="en-US"/>
               <a:t>Click to edit Master text styles</a:t>
             </a:r>
           </a:p>
@@ -2490,7 +2489,7 @@
           <a:p>
             <a:fld id="{F5FC671D-FC3B-5049-AFF2-F401565E3390}" type="datetimeFigureOut">
               <a:rPr lang="en-US" smtClean="0"/>
-              <a:t>1/16/18</a:t>
+              <a:t>9/11/19</a:t>
             </a:fld>
             <a:endParaRPr lang="en-US"/>
           </a:p>
@@ -2588,7 +2587,7 @@
           </a:lstStyle>
           <a:p>
             <a:r>
-              <a:rPr lang="en-US" smtClean="0"/>
+              <a:rPr lang="en-US"/>
               <a:t>Click to edit Master title style</a:t>
             </a:r>
             <a:endParaRPr lang="en-US" dirty="0"/>
@@ -2653,7 +2652,7 @@
           </a:lstStyle>
           <a:p>
             <a:r>
-              <a:rPr lang="en-US" smtClean="0"/>
+              <a:rPr lang="en-US"/>
               <a:t>Drag picture to placeholder or click icon to add</a:t>
             </a:r>
             <a:endParaRPr lang="en-US" dirty="0"/>
@@ -2719,7 +2718,7 @@
           <a:p>
             <a:pPr lvl="0"/>
             <a:r>
-              <a:rPr lang="en-US" smtClean="0"/>
+              <a:rPr lang="en-US"/>
               <a:t>Click to edit Master text styles</a:t>
             </a:r>
           </a:p>
@@ -2742,7 +2741,7 @@
           <a:p>
             <a:fld id="{F5FC671D-FC3B-5049-AFF2-F401565E3390}" type="datetimeFigureOut">
               <a:rPr lang="en-US" smtClean="0"/>
-              <a:t>1/16/18</a:t>
+              <a:t>9/11/19</a:t>
             </a:fld>
             <a:endParaRPr lang="en-US"/>
           </a:p>
@@ -2846,7 +2845,7 @@
           <a:lstStyle/>
           <a:p>
             <a:r>
-              <a:rPr lang="en-US" smtClean="0"/>
+              <a:rPr lang="en-US"/>
               <a:t>Click to edit Master title style</a:t>
             </a:r>
             <a:endParaRPr lang="en-US" dirty="0"/>
@@ -2880,35 +2879,35 @@
           <a:p>
             <a:pPr lvl="0"/>
             <a:r>
-              <a:rPr lang="en-US" smtClean="0"/>
+              <a:rPr lang="en-US"/>
               <a:t>Click to edit Master text styles</a:t>
             </a:r>
           </a:p>
           <a:p>
             <a:pPr lvl="1"/>
             <a:r>
-              <a:rPr lang="en-US" smtClean="0"/>
+              <a:rPr lang="en-US"/>
               <a:t>Second level</a:t>
             </a:r>
           </a:p>
           <a:p>
             <a:pPr lvl="2"/>
             <a:r>
-              <a:rPr lang="en-US" smtClean="0"/>
+              <a:rPr lang="en-US"/>
               <a:t>Third level</a:t>
             </a:r>
           </a:p>
           <a:p>
             <a:pPr lvl="3"/>
             <a:r>
-              <a:rPr lang="en-US" smtClean="0"/>
+              <a:rPr lang="en-US"/>
               <a:t>Fourth level</a:t>
             </a:r>
           </a:p>
           <a:p>
             <a:pPr lvl="4"/>
             <a:r>
-              <a:rPr lang="en-US" smtClean="0"/>
+              <a:rPr lang="en-US"/>
               <a:t>Fifth level</a:t>
             </a:r>
             <a:endParaRPr lang="en-US" dirty="0"/>
@@ -2950,7 +2949,7 @@
           <a:p>
             <a:fld id="{F5FC671D-FC3B-5049-AFF2-F401565E3390}" type="datetimeFigureOut">
               <a:rPr lang="en-US" smtClean="0"/>
-              <a:t>1/16/18</a:t>
+              <a:t>9/11/19</a:t>
             </a:fld>
             <a:endParaRPr lang="en-US"/>
           </a:p>
@@ -3441,7 +3440,7 @@
           <a:p>
             <a:pPr algn="ctr"/>
             <a:r>
-              <a:rPr lang="en-US" b="1" dirty="0" smtClean="0">
+              <a:rPr lang="en-US" b="1" dirty="0">
                 <a:solidFill>
                   <a:schemeClr val="bg1"/>
                 </a:solidFill>
@@ -3451,14 +3450,6 @@
               </a:rPr>
               <a:t>Reading in Your Data</a:t>
             </a:r>
-            <a:endParaRPr lang="en-US" b="1" dirty="0">
-              <a:solidFill>
-                <a:schemeClr val="bg1"/>
-              </a:solidFill>
-              <a:latin typeface="Garamond" charset="0"/>
-              <a:ea typeface="Garamond" charset="0"/>
-              <a:cs typeface="Garamond" charset="0"/>
-            </a:endParaRPr>
           </a:p>
         </p:txBody>
       </p:sp>
@@ -3495,7 +3486,7 @@
           <a:p>
             <a:pPr algn="ctr"/>
             <a:r>
-              <a:rPr lang="en-US" b="1" dirty="0" smtClean="0">
+              <a:rPr lang="en-US" b="1" dirty="0">
                 <a:solidFill>
                   <a:schemeClr val="bg1"/>
                 </a:solidFill>
@@ -3505,14 +3496,6 @@
               </a:rPr>
               <a:t>Clean Your Data (Part 1)</a:t>
             </a:r>
-            <a:endParaRPr lang="en-US" b="1" dirty="0">
-              <a:solidFill>
-                <a:schemeClr val="bg1"/>
-              </a:solidFill>
-              <a:latin typeface="Garamond" charset="0"/>
-              <a:ea typeface="Garamond" charset="0"/>
-              <a:cs typeface="Garamond" charset="0"/>
-            </a:endParaRPr>
           </a:p>
         </p:txBody>
       </p:sp>
@@ -3525,7 +3508,7 @@
         <p:spPr>
           <a:xfrm>
             <a:off x="595328" y="2726854"/>
-            <a:ext cx="3243196" cy="276999"/>
+            <a:ext cx="3158237" cy="461665"/>
           </a:xfrm>
           <a:prstGeom prst="rect">
             <a:avLst/>
@@ -3546,7 +3529,48 @@
           <a:lstStyle/>
           <a:p>
             <a:r>
-              <a:rPr lang="en-US" sz="1200" dirty="0" smtClean="0">
+              <a:rPr lang="en-US" sz="1200" dirty="0">
+                <a:solidFill>
+                  <a:schemeClr val="bg2">
+                    <a:lumMod val="25000"/>
+                  </a:schemeClr>
+                </a:solidFill>
+                <a:latin typeface="Consolas" charset="0"/>
+                <a:ea typeface="Consolas" charset="0"/>
+                <a:cs typeface="Consolas" charset="0"/>
+              </a:rPr>
+              <a:t>library(</a:t>
+            </a:r>
+            <a:r>
+              <a:rPr lang="en-US" sz="1200" dirty="0" err="1">
+                <a:solidFill>
+                  <a:schemeClr val="bg2">
+                    <a:lumMod val="25000"/>
+                  </a:schemeClr>
+                </a:solidFill>
+                <a:latin typeface="Consolas" charset="0"/>
+                <a:ea typeface="Consolas" charset="0"/>
+                <a:cs typeface="Consolas" charset="0"/>
+              </a:rPr>
+              <a:t>rio</a:t>
+            </a:r>
+            <a:r>
+              <a:rPr lang="en-US" sz="1200" dirty="0">
+                <a:solidFill>
+                  <a:schemeClr val="bg2">
+                    <a:lumMod val="25000"/>
+                  </a:schemeClr>
+                </a:solidFill>
+                <a:latin typeface="Consolas" charset="0"/>
+                <a:ea typeface="Consolas" charset="0"/>
+                <a:cs typeface="Consolas" charset="0"/>
+              </a:rPr>
+              <a:t>)</a:t>
+            </a:r>
+          </a:p>
+          <a:p>
+            <a:r>
+              <a:rPr lang="en-US" sz="1200" dirty="0">
                 <a:solidFill>
                   <a:schemeClr val="bg2">
                     <a:lumMod val="25000"/>
@@ -3559,7 +3583,7 @@
               <a:t>d &lt;- </a:t>
             </a:r>
             <a:r>
-              <a:rPr lang="en-US" sz="1200" dirty="0" err="1" smtClean="0">
+              <a:rPr lang="en-US" sz="1200" dirty="0">
                 <a:solidFill>
                   <a:schemeClr val="accent6"/>
                 </a:solidFill>
@@ -3567,10 +3591,10 @@
                 <a:ea typeface="Consolas" charset="0"/>
                 <a:cs typeface="Consolas" charset="0"/>
               </a:rPr>
-              <a:t>read.csv</a:t>
-            </a:r>
-            <a:r>
-              <a:rPr lang="en-US" sz="1200" dirty="0" smtClean="0">
+              <a:t>import</a:t>
+            </a:r>
+            <a:r>
+              <a:rPr lang="en-US" sz="1200" dirty="0">
                 <a:solidFill>
                   <a:schemeClr val="bg2">
                     <a:lumMod val="25000"/>
@@ -3583,7 +3607,7 @@
               <a:t>(“path/to/</a:t>
             </a:r>
             <a:r>
-              <a:rPr lang="en-US" sz="1200" dirty="0" err="1" smtClean="0">
+              <a:rPr lang="en-US" sz="1200" dirty="0" err="1">
                 <a:solidFill>
                   <a:schemeClr val="bg2">
                     <a:lumMod val="25000"/>
@@ -3596,28 +3620,18 @@
               <a:t>my_file.csv</a:t>
             </a:r>
             <a:r>
-              <a:rPr lang="en-US" sz="1200" dirty="0" smtClean="0">
-                <a:solidFill>
-                  <a:schemeClr val="bg2">
-                    <a:lumMod val="25000"/>
-                  </a:schemeClr>
-                </a:solidFill>
-                <a:latin typeface="Consolas" charset="0"/>
-                <a:ea typeface="Consolas" charset="0"/>
-                <a:cs typeface="Consolas" charset="0"/>
-              </a:rPr>
-              <a:t>”)</a:t>
-            </a:r>
-            <a:endParaRPr lang="en-US" sz="1200" dirty="0">
-              <a:solidFill>
-                <a:schemeClr val="bg2">
-                  <a:lumMod val="25000"/>
-                </a:schemeClr>
-              </a:solidFill>
-              <a:latin typeface="Consolas" charset="0"/>
-              <a:ea typeface="Consolas" charset="0"/>
-              <a:cs typeface="Consolas" charset="0"/>
-            </a:endParaRPr>
+              <a:rPr lang="en-US" sz="1200" dirty="0">
+                <a:solidFill>
+                  <a:schemeClr val="bg2">
+                    <a:lumMod val="25000"/>
+                  </a:schemeClr>
+                </a:solidFill>
+                <a:latin typeface="Consolas" charset="0"/>
+                <a:ea typeface="Consolas" charset="0"/>
+                <a:cs typeface="Consolas" charset="0"/>
+              </a:rPr>
+              <a:t>”) </a:t>
+            </a:r>
           </a:p>
         </p:txBody>
       </p:sp>
@@ -3629,8 +3643,8 @@
         </p:nvSpPr>
         <p:spPr>
           <a:xfrm>
-            <a:off x="595327" y="3376816"/>
-            <a:ext cx="3328155" cy="461665"/>
+            <a:off x="595327" y="3481916"/>
+            <a:ext cx="3158237" cy="461665"/>
           </a:xfrm>
           <a:prstGeom prst="rect">
             <a:avLst/>
@@ -3651,22 +3665,48 @@
           <a:lstStyle/>
           <a:p>
             <a:r>
-              <a:rPr lang="en-US" sz="1200" dirty="0" smtClean="0">
-                <a:solidFill>
-                  <a:schemeClr val="bg2">
-                    <a:lumMod val="25000"/>
-                  </a:schemeClr>
-                </a:solidFill>
-                <a:latin typeface="Consolas" charset="0"/>
-                <a:ea typeface="Consolas" charset="0"/>
-                <a:cs typeface="Consolas" charset="0"/>
-              </a:rPr>
-              <a:t>library(haven)</a:t>
-            </a:r>
-          </a:p>
-          <a:p>
-            <a:r>
-              <a:rPr lang="en-US" sz="1200" dirty="0" smtClean="0">
+              <a:rPr lang="en-US" sz="1200" dirty="0">
+                <a:solidFill>
+                  <a:schemeClr val="bg2">
+                    <a:lumMod val="25000"/>
+                  </a:schemeClr>
+                </a:solidFill>
+                <a:latin typeface="Consolas" charset="0"/>
+                <a:ea typeface="Consolas" charset="0"/>
+                <a:cs typeface="Consolas" charset="0"/>
+              </a:rPr>
+              <a:t>library(</a:t>
+            </a:r>
+            <a:r>
+              <a:rPr lang="en-US" sz="1200" dirty="0" err="1">
+                <a:solidFill>
+                  <a:schemeClr val="bg2">
+                    <a:lumMod val="25000"/>
+                  </a:schemeClr>
+                </a:solidFill>
+                <a:latin typeface="Consolas" charset="0"/>
+                <a:ea typeface="Consolas" charset="0"/>
+                <a:cs typeface="Consolas" charset="0"/>
+              </a:rPr>
+              <a:t>rio</a:t>
+            </a:r>
+            <a:r>
+              <a:rPr lang="en-US" sz="1200" dirty="0">
+                <a:solidFill>
+                  <a:schemeClr val="bg2">
+                    <a:lumMod val="25000"/>
+                  </a:schemeClr>
+                </a:solidFill>
+                <a:latin typeface="Consolas" charset="0"/>
+                <a:ea typeface="Consolas" charset="0"/>
+                <a:cs typeface="Consolas" charset="0"/>
+              </a:rPr>
+              <a:t>)</a:t>
+            </a:r>
+          </a:p>
+          <a:p>
+            <a:r>
+              <a:rPr lang="en-US" sz="1200" dirty="0">
                 <a:solidFill>
                   <a:schemeClr val="bg2">
                     <a:lumMod val="25000"/>
@@ -3679,7 +3719,7 @@
               <a:t>d &lt;- </a:t>
             </a:r>
             <a:r>
-              <a:rPr lang="en-US" sz="1200" dirty="0" err="1" smtClean="0">
+              <a:rPr lang="en-US" sz="1200" dirty="0">
                 <a:solidFill>
                   <a:schemeClr val="accent6"/>
                 </a:solidFill>
@@ -3687,10 +3727,10 @@
                 <a:ea typeface="Consolas" charset="0"/>
                 <a:cs typeface="Consolas" charset="0"/>
               </a:rPr>
-              <a:t>read_spss</a:t>
-            </a:r>
-            <a:r>
-              <a:rPr lang="en-US" sz="1200" dirty="0" smtClean="0">
+              <a:t>import</a:t>
+            </a:r>
+            <a:r>
+              <a:rPr lang="en-US" sz="1200" dirty="0">
                 <a:solidFill>
                   <a:schemeClr val="bg2">
                     <a:lumMod val="25000"/>
@@ -3703,7 +3743,7 @@
               <a:t>(“path/to/</a:t>
             </a:r>
             <a:r>
-              <a:rPr lang="en-US" sz="1200" dirty="0" err="1" smtClean="0">
+              <a:rPr lang="en-US" sz="1200" dirty="0" err="1">
                 <a:solidFill>
                   <a:schemeClr val="bg2">
                     <a:lumMod val="25000"/>
@@ -3716,28 +3756,18 @@
               <a:t>my_file.sav</a:t>
             </a:r>
             <a:r>
-              <a:rPr lang="en-US" sz="1200" dirty="0" smtClean="0">
-                <a:solidFill>
-                  <a:schemeClr val="bg2">
-                    <a:lumMod val="25000"/>
-                  </a:schemeClr>
-                </a:solidFill>
-                <a:latin typeface="Consolas" charset="0"/>
-                <a:ea typeface="Consolas" charset="0"/>
-                <a:cs typeface="Consolas" charset="0"/>
-              </a:rPr>
-              <a:t>”)</a:t>
-            </a:r>
-            <a:endParaRPr lang="en-US" sz="1200" dirty="0">
-              <a:solidFill>
-                <a:schemeClr val="bg2">
-                  <a:lumMod val="25000"/>
-                </a:schemeClr>
-              </a:solidFill>
-              <a:latin typeface="Consolas" charset="0"/>
-              <a:ea typeface="Consolas" charset="0"/>
-              <a:cs typeface="Consolas" charset="0"/>
-            </a:endParaRPr>
+              <a:rPr lang="en-US" sz="1200" dirty="0">
+                <a:solidFill>
+                  <a:schemeClr val="bg2">
+                    <a:lumMod val="25000"/>
+                  </a:schemeClr>
+                </a:solidFill>
+                <a:latin typeface="Consolas" charset="0"/>
+                <a:ea typeface="Consolas" charset="0"/>
+                <a:cs typeface="Consolas" charset="0"/>
+              </a:rPr>
+              <a:t>”) </a:t>
+            </a:r>
           </a:p>
         </p:txBody>
       </p:sp>
@@ -3749,8 +3779,8 @@
         </p:nvSpPr>
         <p:spPr>
           <a:xfrm>
-            <a:off x="594743" y="4192947"/>
-            <a:ext cx="3413114" cy="461665"/>
+            <a:off x="594743" y="4224477"/>
+            <a:ext cx="3158237" cy="461665"/>
           </a:xfrm>
           <a:prstGeom prst="rect">
             <a:avLst/>
@@ -3771,7 +3801,7 @@
           <a:lstStyle/>
           <a:p>
             <a:r>
-              <a:rPr lang="en-US" sz="1200" dirty="0" smtClean="0">
+              <a:rPr lang="en-US" sz="1200" dirty="0">
                 <a:solidFill>
                   <a:schemeClr val="bg2">
                     <a:lumMod val="25000"/>
@@ -3784,20 +3814,20 @@
               <a:t>library(</a:t>
             </a:r>
             <a:r>
-              <a:rPr lang="en-US" sz="1200" dirty="0" err="1" smtClean="0">
-                <a:solidFill>
-                  <a:schemeClr val="bg2">
-                    <a:lumMod val="25000"/>
-                  </a:schemeClr>
-                </a:solidFill>
-                <a:latin typeface="Consolas" charset="0"/>
-                <a:ea typeface="Consolas" charset="0"/>
-                <a:cs typeface="Consolas" charset="0"/>
-              </a:rPr>
-              <a:t>readxl</a:t>
-            </a:r>
-            <a:r>
-              <a:rPr lang="en-US" sz="1200" dirty="0" smtClean="0">
+              <a:rPr lang="en-US" sz="1200" dirty="0" err="1">
+                <a:solidFill>
+                  <a:schemeClr val="bg2">
+                    <a:lumMod val="25000"/>
+                  </a:schemeClr>
+                </a:solidFill>
+                <a:latin typeface="Consolas" charset="0"/>
+                <a:ea typeface="Consolas" charset="0"/>
+                <a:cs typeface="Consolas" charset="0"/>
+              </a:rPr>
+              <a:t>rio</a:t>
+            </a:r>
+            <a:r>
+              <a:rPr lang="en-US" sz="1200" dirty="0">
                 <a:solidFill>
                   <a:schemeClr val="bg2">
                     <a:lumMod val="25000"/>
@@ -3812,7 +3842,7 @@
           </a:p>
           <a:p>
             <a:r>
-              <a:rPr lang="en-US" sz="1200" dirty="0" smtClean="0">
+              <a:rPr lang="en-US" sz="1200" dirty="0">
                 <a:solidFill>
                   <a:schemeClr val="bg2">
                     <a:lumMod val="25000"/>
@@ -3825,7 +3855,7 @@
               <a:t>d &lt;- </a:t>
             </a:r>
             <a:r>
-              <a:rPr lang="en-US" sz="1200" dirty="0" err="1" smtClean="0">
+              <a:rPr lang="en-US" sz="1200" dirty="0">
                 <a:solidFill>
                   <a:schemeClr val="accent6"/>
                 </a:solidFill>
@@ -3833,10 +3863,10 @@
                 <a:ea typeface="Consolas" charset="0"/>
                 <a:cs typeface="Consolas" charset="0"/>
               </a:rPr>
-              <a:t>read_excel</a:t>
-            </a:r>
-            <a:r>
-              <a:rPr lang="en-US" sz="1200" dirty="0" smtClean="0">
+              <a:t>import</a:t>
+            </a:r>
+            <a:r>
+              <a:rPr lang="en-US" sz="1200" dirty="0">
                 <a:solidFill>
                   <a:schemeClr val="bg2">
                     <a:lumMod val="25000"/>
@@ -3849,20 +3879,20 @@
               <a:t>(“path/to/</a:t>
             </a:r>
             <a:r>
-              <a:rPr lang="en-US" sz="1200" dirty="0" err="1" smtClean="0">
-                <a:solidFill>
-                  <a:schemeClr val="bg2">
-                    <a:lumMod val="25000"/>
-                  </a:schemeClr>
-                </a:solidFill>
-                <a:latin typeface="Consolas" charset="0"/>
-                <a:ea typeface="Consolas" charset="0"/>
-                <a:cs typeface="Consolas" charset="0"/>
-              </a:rPr>
-              <a:t>my_file.sav</a:t>
-            </a:r>
-            <a:r>
-              <a:rPr lang="en-US" sz="1200" dirty="0" smtClean="0">
+              <a:rPr lang="en-US" sz="1200" dirty="0" err="1">
+                <a:solidFill>
+                  <a:schemeClr val="bg2">
+                    <a:lumMod val="25000"/>
+                  </a:schemeClr>
+                </a:solidFill>
+                <a:latin typeface="Consolas" charset="0"/>
+                <a:ea typeface="Consolas" charset="0"/>
+                <a:cs typeface="Consolas" charset="0"/>
+              </a:rPr>
+              <a:t>my_file.xlsx</a:t>
+            </a:r>
+            <a:r>
+              <a:rPr lang="en-US" sz="1200" dirty="0">
                 <a:solidFill>
                   <a:schemeClr val="bg2">
                     <a:lumMod val="25000"/>
@@ -3874,16 +3904,6 @@
               </a:rPr>
               <a:t>”)</a:t>
             </a:r>
-            <a:endParaRPr lang="en-US" sz="1200" dirty="0">
-              <a:solidFill>
-                <a:schemeClr val="bg2">
-                  <a:lumMod val="25000"/>
-                </a:schemeClr>
-              </a:solidFill>
-              <a:latin typeface="Consolas" charset="0"/>
-              <a:ea typeface="Consolas" charset="0"/>
-              <a:cs typeface="Consolas" charset="0"/>
-            </a:endParaRPr>
           </a:p>
         </p:txBody>
       </p:sp>
@@ -3913,7 +3933,7 @@
           <a:lstStyle/>
           <a:p>
             <a:r>
-              <a:rPr lang="en-US" sz="1400" dirty="0" smtClean="0">
+              <a:rPr lang="en-US" sz="1400" dirty="0">
                 <a:solidFill>
                   <a:schemeClr val="bg2">
                     <a:lumMod val="25000"/>
@@ -3926,7 +3946,7 @@
               <a:t>If your data is a </a:t>
             </a:r>
             <a:r>
-              <a:rPr lang="en-US" sz="1400" b="1" dirty="0" smtClean="0">
+              <a:rPr lang="en-US" sz="1400" b="1" dirty="0">
                 <a:solidFill>
                   <a:schemeClr val="bg2">
                     <a:lumMod val="25000"/>
@@ -3938,16 +3958,6 @@
               </a:rPr>
               <a:t>CSV</a:t>
             </a:r>
-            <a:endParaRPr lang="en-US" sz="1400" b="1" dirty="0">
-              <a:solidFill>
-                <a:schemeClr val="bg2">
-                  <a:lumMod val="25000"/>
-                </a:schemeClr>
-              </a:solidFill>
-              <a:latin typeface="Garamond" charset="0"/>
-              <a:ea typeface="Garamond" charset="0"/>
-              <a:cs typeface="Garamond" charset="0"/>
-            </a:endParaRPr>
           </a:p>
         </p:txBody>
       </p:sp>
@@ -3959,7 +3969,7 @@
         </p:nvSpPr>
         <p:spPr>
           <a:xfrm>
-            <a:off x="425994" y="3102526"/>
+            <a:off x="425994" y="3197116"/>
             <a:ext cx="3455009" cy="307777"/>
           </a:xfrm>
           <a:prstGeom prst="rect">
@@ -3977,7 +3987,7 @@
           <a:lstStyle/>
           <a:p>
             <a:r>
-              <a:rPr lang="en-US" sz="1400" dirty="0" smtClean="0">
+              <a:rPr lang="en-US" sz="1400" dirty="0">
                 <a:solidFill>
                   <a:schemeClr val="bg2">
                     <a:lumMod val="25000"/>
@@ -3990,7 +4000,7 @@
               <a:t>If your data is an </a:t>
             </a:r>
             <a:r>
-              <a:rPr lang="en-US" sz="1400" b="1" dirty="0" smtClean="0">
+              <a:rPr lang="en-US" sz="1400" b="1" dirty="0">
                 <a:solidFill>
                   <a:schemeClr val="bg2">
                     <a:lumMod val="25000"/>
@@ -4003,7 +4013,7 @@
               <a:t>SPSS</a:t>
             </a:r>
             <a:r>
-              <a:rPr lang="en-US" sz="1400" dirty="0" smtClean="0">
+              <a:rPr lang="en-US" sz="1400" dirty="0">
                 <a:solidFill>
                   <a:schemeClr val="bg2">
                     <a:lumMod val="25000"/>
@@ -4015,16 +4025,6 @@
               </a:rPr>
               <a:t> file</a:t>
             </a:r>
-            <a:endParaRPr lang="en-US" sz="1400" dirty="0">
-              <a:solidFill>
-                <a:schemeClr val="bg2">
-                  <a:lumMod val="25000"/>
-                </a:schemeClr>
-              </a:solidFill>
-              <a:latin typeface="Garamond" charset="0"/>
-              <a:ea typeface="Garamond" charset="0"/>
-              <a:cs typeface="Garamond" charset="0"/>
-            </a:endParaRPr>
           </a:p>
         </p:txBody>
       </p:sp>
@@ -4036,7 +4036,7 @@
         </p:nvSpPr>
         <p:spPr>
           <a:xfrm>
-            <a:off x="446942" y="3900036"/>
+            <a:off x="446942" y="3942076"/>
             <a:ext cx="3539968" cy="307777"/>
           </a:xfrm>
           <a:prstGeom prst="rect">
@@ -4054,7 +4054,7 @@
           <a:lstStyle/>
           <a:p>
             <a:r>
-              <a:rPr lang="en-US" sz="1400" dirty="0" smtClean="0">
+              <a:rPr lang="en-US" sz="1400" dirty="0">
                 <a:solidFill>
                   <a:schemeClr val="bg2">
                     <a:lumMod val="25000"/>
@@ -4067,7 +4067,7 @@
               <a:t>If your data is an </a:t>
             </a:r>
             <a:r>
-              <a:rPr lang="en-US" sz="1400" b="1" dirty="0" smtClean="0">
+              <a:rPr lang="en-US" sz="1400" b="1" dirty="0">
                 <a:solidFill>
                   <a:schemeClr val="bg2">
                     <a:lumMod val="25000"/>
@@ -4080,7 +4080,7 @@
               <a:t>Excel</a:t>
             </a:r>
             <a:r>
-              <a:rPr lang="en-US" sz="1400" dirty="0" smtClean="0">
+              <a:rPr lang="en-US" sz="1400" dirty="0">
                 <a:solidFill>
                   <a:schemeClr val="bg2">
                     <a:lumMod val="25000"/>
@@ -4092,16 +4092,6 @@
               </a:rPr>
               <a:t> file</a:t>
             </a:r>
-            <a:endParaRPr lang="en-US" sz="1400" dirty="0">
-              <a:solidFill>
-                <a:schemeClr val="bg2">
-                  <a:lumMod val="25000"/>
-                </a:schemeClr>
-              </a:solidFill>
-              <a:latin typeface="Garamond" charset="0"/>
-              <a:ea typeface="Garamond" charset="0"/>
-              <a:cs typeface="Garamond" charset="0"/>
-            </a:endParaRPr>
           </a:p>
         </p:txBody>
       </p:sp>
@@ -4136,7 +4126,7 @@
           <a:p>
             <a:pPr algn="ctr"/>
             <a:r>
-              <a:rPr lang="en-US" b="1" dirty="0" smtClean="0">
+              <a:rPr lang="en-US" b="1" dirty="0">
                 <a:latin typeface="Garamond" charset="0"/>
                 <a:ea typeface="Garamond" charset="0"/>
                 <a:cs typeface="Garamond" charset="0"/>
@@ -4144,7 +4134,7 @@
               <a:t>R </a:t>
             </a:r>
             <a:r>
-              <a:rPr lang="en-US" b="1" dirty="0" err="1" smtClean="0">
+              <a:rPr lang="en-US" b="1" dirty="0" err="1">
                 <a:latin typeface="Garamond" charset="0"/>
                 <a:ea typeface="Garamond" charset="0"/>
                 <a:cs typeface="Garamond" charset="0"/>
@@ -4152,18 +4142,13 @@
               <a:t>Cheatsheet</a:t>
             </a:r>
             <a:r>
-              <a:rPr lang="en-US" b="1" dirty="0" smtClean="0">
+              <a:rPr lang="en-US" b="1" dirty="0">
                 <a:latin typeface="Garamond" charset="0"/>
                 <a:ea typeface="Garamond" charset="0"/>
                 <a:cs typeface="Garamond" charset="0"/>
               </a:rPr>
               <a:t> for EDUC 6600</a:t>
             </a:r>
-            <a:endParaRPr lang="en-US" b="1" dirty="0">
-              <a:latin typeface="Garamond" charset="0"/>
-              <a:ea typeface="Garamond" charset="0"/>
-              <a:cs typeface="Garamond" charset="0"/>
-            </a:endParaRPr>
           </a:p>
         </p:txBody>
       </p:sp>
@@ -4198,18 +4183,13 @@
           <a:p>
             <a:pPr algn="ctr"/>
             <a:r>
-              <a:rPr lang="en-US" sz="1600" i="1" dirty="0" smtClean="0">
+              <a:rPr lang="en-US" sz="1600" i="1" dirty="0">
                 <a:latin typeface="Garamond" charset="0"/>
                 <a:ea typeface="Garamond" charset="0"/>
                 <a:cs typeface="Garamond" charset="0"/>
               </a:rPr>
               <a:t>Preparing Your Data</a:t>
             </a:r>
-            <a:endParaRPr lang="en-US" sz="1600" i="1" dirty="0">
-              <a:latin typeface="Garamond" charset="0"/>
-              <a:ea typeface="Garamond" charset="0"/>
-              <a:cs typeface="Garamond" charset="0"/>
-            </a:endParaRPr>
           </a:p>
         </p:txBody>
       </p:sp>
@@ -4236,7 +4216,7 @@
           <a:lstStyle/>
           <a:p>
             <a:r>
-              <a:rPr lang="en-US" sz="8800" b="1" dirty="0" smtClean="0">
+              <a:rPr lang="en-US" sz="8800" b="1" dirty="0">
                 <a:solidFill>
                   <a:schemeClr val="accent6"/>
                 </a:solidFill>
@@ -4246,14 +4226,6 @@
               </a:rPr>
               <a:t>1</a:t>
             </a:r>
-            <a:endParaRPr lang="en-US" sz="8800" b="1" dirty="0">
-              <a:solidFill>
-                <a:schemeClr val="accent6"/>
-              </a:solidFill>
-              <a:latin typeface="Garamond" charset="0"/>
-              <a:ea typeface="Garamond" charset="0"/>
-              <a:cs typeface="Garamond" charset="0"/>
-            </a:endParaRPr>
           </a:p>
         </p:txBody>
       </p:sp>
@@ -4280,7 +4252,7 @@
           <a:lstStyle/>
           <a:p>
             <a:r>
-              <a:rPr lang="en-US" sz="8800" b="1" smtClean="0">
+              <a:rPr lang="en-US" sz="8800" b="1">
                 <a:solidFill>
                   <a:schemeClr val="accent1"/>
                 </a:solidFill>
@@ -4384,7 +4356,7 @@
           <a:lstStyle/>
           <a:p>
             <a:r>
-              <a:rPr lang="en-US" sz="1200" dirty="0" err="1" smtClean="0">
+              <a:rPr lang="en-US" sz="1200" dirty="0" err="1">
                 <a:solidFill>
                   <a:schemeClr val="bg2">
                     <a:lumMod val="25000"/>
@@ -4397,7 +4369,7 @@
               <a:t>d_new</a:t>
             </a:r>
             <a:r>
-              <a:rPr lang="en-US" sz="1200" dirty="0" smtClean="0">
+              <a:rPr lang="en-US" sz="1200" dirty="0">
                 <a:solidFill>
                   <a:schemeClr val="bg2">
                     <a:lumMod val="25000"/>
@@ -4410,7 +4382,7 @@
               <a:t> &lt;- d </a:t>
             </a:r>
             <a:r>
-              <a:rPr lang="en-US" sz="1200" dirty="0" smtClean="0">
+              <a:rPr lang="en-US" sz="1200" dirty="0">
                 <a:solidFill>
                   <a:schemeClr val="accent6"/>
                 </a:solidFill>
@@ -4433,23 +4405,10 @@
                 <a:ea typeface="Consolas" charset="0"/>
                 <a:cs typeface="Consolas" charset="0"/>
               </a:rPr>
-              <a:t> </a:t>
-            </a:r>
-            <a:r>
-              <a:rPr lang="en-US" sz="1200" dirty="0" smtClean="0">
-                <a:solidFill>
-                  <a:schemeClr val="bg2">
-                    <a:lumMod val="25000"/>
-                  </a:schemeClr>
-                </a:solidFill>
-                <a:latin typeface="Consolas" charset="0"/>
-                <a:ea typeface="Consolas" charset="0"/>
-                <a:cs typeface="Consolas" charset="0"/>
-              </a:rPr>
-              <a:t> mutate(</a:t>
-            </a:r>
-            <a:r>
-              <a:rPr lang="en-US" sz="1200" dirty="0" err="1" smtClean="0">
+              <a:t>  mutate(</a:t>
+            </a:r>
+            <a:r>
+              <a:rPr lang="en-US" sz="1200" dirty="0" err="1">
                 <a:solidFill>
                   <a:schemeClr val="bg2">
                     <a:lumMod val="25000"/>
@@ -4462,7 +4421,7 @@
               <a:t>var_f</a:t>
             </a:r>
             <a:r>
-              <a:rPr lang="en-US" sz="1200" dirty="0" smtClean="0">
+              <a:rPr lang="en-US" sz="1200" dirty="0">
                 <a:solidFill>
                   <a:schemeClr val="bg2">
                     <a:lumMod val="25000"/>
@@ -4475,7 +4434,7 @@
               <a:t> = factor(</a:t>
             </a:r>
             <a:r>
-              <a:rPr lang="en-US" sz="1200" dirty="0" err="1" smtClean="0">
+              <a:rPr lang="en-US" sz="1200" dirty="0" err="1">
                 <a:solidFill>
                   <a:schemeClr val="bg2">
                     <a:lumMod val="25000"/>
@@ -4488,7 +4447,7 @@
               <a:t>var</a:t>
             </a:r>
             <a:r>
-              <a:rPr lang="en-US" sz="1200" dirty="0" smtClean="0">
+              <a:rPr lang="en-US" sz="1200" dirty="0">
                 <a:solidFill>
                   <a:schemeClr val="bg2">
                     <a:lumMod val="25000"/>
@@ -4500,16 +4459,6 @@
               </a:rPr>
               <a:t>))</a:t>
             </a:r>
-            <a:endParaRPr lang="en-US" sz="1200" dirty="0">
-              <a:solidFill>
-                <a:schemeClr val="bg2">
-                  <a:lumMod val="25000"/>
-                </a:schemeClr>
-              </a:solidFill>
-              <a:latin typeface="Consolas" charset="0"/>
-              <a:ea typeface="Consolas" charset="0"/>
-              <a:cs typeface="Consolas" charset="0"/>
-            </a:endParaRPr>
           </a:p>
         </p:txBody>
       </p:sp>
@@ -4543,7 +4492,7 @@
           <a:lstStyle/>
           <a:p>
             <a:r>
-              <a:rPr lang="en-US" sz="1200" dirty="0" err="1" smtClean="0">
+              <a:rPr lang="en-US" sz="1200" dirty="0" err="1">
                 <a:solidFill>
                   <a:schemeClr val="bg2">
                     <a:lumMod val="25000"/>
@@ -4556,7 +4505,7 @@
               <a:t>d_new</a:t>
             </a:r>
             <a:r>
-              <a:rPr lang="en-US" sz="1200" dirty="0" smtClean="0">
+              <a:rPr lang="en-US" sz="1200" dirty="0">
                 <a:solidFill>
                   <a:schemeClr val="bg2">
                     <a:lumMod val="25000"/>
@@ -4581,23 +4530,10 @@
                 <a:ea typeface="Consolas" charset="0"/>
                 <a:cs typeface="Consolas" charset="0"/>
               </a:rPr>
-              <a:t> </a:t>
-            </a:r>
-            <a:r>
-              <a:rPr lang="en-US" sz="1200" dirty="0" smtClean="0">
-                <a:solidFill>
-                  <a:schemeClr val="bg2">
-                    <a:lumMod val="25000"/>
-                  </a:schemeClr>
-                </a:solidFill>
-                <a:latin typeface="Consolas" charset="0"/>
-                <a:ea typeface="Consolas" charset="0"/>
-                <a:cs typeface="Consolas" charset="0"/>
-              </a:rPr>
-              <a:t> </a:t>
-            </a:r>
-            <a:r>
-              <a:rPr lang="en-US" sz="1200" dirty="0" smtClean="0">
+              <a:t>  </a:t>
+            </a:r>
+            <a:r>
+              <a:rPr lang="en-US" sz="1200" dirty="0">
                 <a:solidFill>
                   <a:schemeClr val="accent6"/>
                 </a:solidFill>
@@ -4608,7 +4544,7 @@
               <a:t>mutate</a:t>
             </a:r>
             <a:r>
-              <a:rPr lang="en-US" sz="1200" dirty="0" smtClean="0">
+              <a:rPr lang="en-US" sz="1200" dirty="0">
                 <a:solidFill>
                   <a:schemeClr val="bg2">
                     <a:lumMod val="25000"/>
@@ -4621,7 +4557,7 @@
               <a:t>(</a:t>
             </a:r>
             <a:r>
-              <a:rPr lang="en-US" sz="1200" dirty="0" err="1" smtClean="0">
+              <a:rPr lang="en-US" sz="1200" dirty="0" err="1">
                 <a:solidFill>
                   <a:schemeClr val="bg2">
                     <a:lumMod val="25000"/>
@@ -4634,7 +4570,7 @@
               <a:t>salary_yr</a:t>
             </a:r>
             <a:r>
-              <a:rPr lang="en-US" sz="1200" dirty="0" smtClean="0">
+              <a:rPr lang="en-US" sz="1200" dirty="0">
                 <a:solidFill>
                   <a:schemeClr val="bg2">
                     <a:lumMod val="25000"/>
@@ -4647,7 +4583,7 @@
               <a:t> = </a:t>
             </a:r>
             <a:r>
-              <a:rPr lang="en-US" sz="1200" dirty="0" err="1" smtClean="0">
+              <a:rPr lang="en-US" sz="1200" dirty="0" err="1">
                 <a:solidFill>
                   <a:schemeClr val="bg2">
                     <a:lumMod val="25000"/>
@@ -4660,7 +4596,7 @@
               <a:t>salary_mnth</a:t>
             </a:r>
             <a:r>
-              <a:rPr lang="en-US" sz="1200" dirty="0" smtClean="0">
+              <a:rPr lang="en-US" sz="1200" dirty="0">
                 <a:solidFill>
                   <a:schemeClr val="bg2">
                     <a:lumMod val="25000"/>
@@ -4672,16 +4608,6 @@
               </a:rPr>
               <a:t> * 12)</a:t>
             </a:r>
-            <a:endParaRPr lang="en-US" sz="1200" dirty="0">
-              <a:solidFill>
-                <a:schemeClr val="bg2">
-                  <a:lumMod val="25000"/>
-                </a:schemeClr>
-              </a:solidFill>
-              <a:latin typeface="Consolas" charset="0"/>
-              <a:ea typeface="Consolas" charset="0"/>
-              <a:cs typeface="Consolas" charset="0"/>
-            </a:endParaRPr>
           </a:p>
         </p:txBody>
       </p:sp>
@@ -4715,7 +4641,7 @@
           <a:lstStyle/>
           <a:p>
             <a:r>
-              <a:rPr lang="en-US" sz="1200" dirty="0" err="1" smtClean="0">
+              <a:rPr lang="en-US" sz="1200" dirty="0" err="1">
                 <a:solidFill>
                   <a:schemeClr val="bg2">
                     <a:lumMod val="25000"/>
@@ -4728,7 +4654,7 @@
               <a:t>d_females</a:t>
             </a:r>
             <a:r>
-              <a:rPr lang="en-US" sz="1200" dirty="0" smtClean="0">
+              <a:rPr lang="en-US" sz="1200" dirty="0">
                 <a:solidFill>
                   <a:schemeClr val="bg2">
                     <a:lumMod val="25000"/>
@@ -4753,23 +4679,10 @@
                 <a:ea typeface="Consolas" charset="0"/>
                 <a:cs typeface="Consolas" charset="0"/>
               </a:rPr>
-              <a:t> </a:t>
-            </a:r>
-            <a:r>
-              <a:rPr lang="en-US" sz="1200" dirty="0" smtClean="0">
-                <a:solidFill>
-                  <a:schemeClr val="bg2">
-                    <a:lumMod val="25000"/>
-                  </a:schemeClr>
-                </a:solidFill>
-                <a:latin typeface="Consolas" charset="0"/>
-                <a:ea typeface="Consolas" charset="0"/>
-                <a:cs typeface="Consolas" charset="0"/>
-              </a:rPr>
-              <a:t> </a:t>
-            </a:r>
-            <a:r>
-              <a:rPr lang="en-US" sz="1200" dirty="0" smtClean="0">
+              <a:t>  </a:t>
+            </a:r>
+            <a:r>
+              <a:rPr lang="en-US" sz="1200" dirty="0">
                 <a:solidFill>
                   <a:schemeClr val="accent6"/>
                 </a:solidFill>
@@ -4780,7 +4693,7 @@
               <a:t>filter</a:t>
             </a:r>
             <a:r>
-              <a:rPr lang="en-US" sz="1200" dirty="0" smtClean="0">
+              <a:rPr lang="en-US" sz="1200" dirty="0">
                 <a:solidFill>
                   <a:schemeClr val="bg2">
                     <a:lumMod val="25000"/>
@@ -4792,16 +4705,6 @@
               </a:rPr>
               <a:t>(sex == “female”)</a:t>
             </a:r>
-            <a:endParaRPr lang="en-US" sz="1200" dirty="0">
-              <a:solidFill>
-                <a:schemeClr val="bg2">
-                  <a:lumMod val="25000"/>
-                </a:schemeClr>
-              </a:solidFill>
-              <a:latin typeface="Consolas" charset="0"/>
-              <a:ea typeface="Consolas" charset="0"/>
-              <a:cs typeface="Consolas" charset="0"/>
-            </a:endParaRPr>
           </a:p>
         </p:txBody>
       </p:sp>
@@ -4831,7 +4734,7 @@
           <a:lstStyle/>
           <a:p>
             <a:r>
-              <a:rPr lang="en-US" sz="1400" b="1" dirty="0" smtClean="0">
+              <a:rPr lang="en-US" sz="1400" b="1" dirty="0">
                 <a:solidFill>
                   <a:schemeClr val="bg2">
                     <a:lumMod val="25000"/>
@@ -4844,7 +4747,7 @@
               <a:t>Mutate</a:t>
             </a:r>
             <a:r>
-              <a:rPr lang="en-US" sz="1400" dirty="0" smtClean="0">
+              <a:rPr lang="en-US" sz="1400" dirty="0">
                 <a:solidFill>
                   <a:schemeClr val="bg2">
                     <a:lumMod val="25000"/>
@@ -4857,7 +4760,7 @@
               <a:t> means to </a:t>
             </a:r>
             <a:r>
-              <a:rPr lang="en-US" sz="1400" i="1" dirty="0" smtClean="0">
+              <a:rPr lang="en-US" sz="1400" i="1" dirty="0">
                 <a:solidFill>
                   <a:schemeClr val="bg2">
                     <a:lumMod val="25000"/>
@@ -4870,7 +4773,7 @@
               <a:t>add</a:t>
             </a:r>
             <a:r>
-              <a:rPr lang="en-US" sz="1400" dirty="0" smtClean="0">
+              <a:rPr lang="en-US" sz="1400" dirty="0">
                 <a:solidFill>
                   <a:schemeClr val="bg2">
                     <a:lumMod val="25000"/>
@@ -4883,7 +4786,7 @@
               <a:t> or </a:t>
             </a:r>
             <a:r>
-              <a:rPr lang="en-US" sz="1400" i="1" dirty="0" smtClean="0">
+              <a:rPr lang="en-US" sz="1400" i="1" dirty="0">
                 <a:solidFill>
                   <a:schemeClr val="bg2">
                     <a:lumMod val="25000"/>
@@ -4896,7 +4799,7 @@
               <a:t>change</a:t>
             </a:r>
             <a:r>
-              <a:rPr lang="en-US" sz="1400" dirty="0" smtClean="0">
+              <a:rPr lang="en-US" sz="1400" dirty="0">
                 <a:solidFill>
                   <a:schemeClr val="bg2">
                     <a:lumMod val="25000"/>
@@ -4908,16 +4811,6 @@
               </a:rPr>
               <a:t> a variable</a:t>
             </a:r>
-            <a:endParaRPr lang="en-US" sz="1400" dirty="0">
-              <a:solidFill>
-                <a:schemeClr val="bg2">
-                  <a:lumMod val="25000"/>
-                </a:schemeClr>
-              </a:solidFill>
-              <a:latin typeface="Garamond" charset="0"/>
-              <a:ea typeface="Garamond" charset="0"/>
-              <a:cs typeface="Garamond" charset="0"/>
-            </a:endParaRPr>
           </a:p>
         </p:txBody>
       </p:sp>
@@ -4947,7 +4840,7 @@
           <a:lstStyle/>
           <a:p>
             <a:r>
-              <a:rPr lang="en-US" sz="1400" dirty="0" smtClean="0">
+              <a:rPr lang="en-US" sz="1400" dirty="0">
                 <a:solidFill>
                   <a:schemeClr val="bg2">
                     <a:lumMod val="25000"/>
@@ -4960,7 +4853,7 @@
               <a:t>The </a:t>
             </a:r>
             <a:r>
-              <a:rPr lang="en-US" sz="1400" b="1" dirty="0" smtClean="0">
+              <a:rPr lang="en-US" sz="1400" b="1" dirty="0">
                 <a:solidFill>
                   <a:schemeClr val="bg2">
                     <a:lumMod val="25000"/>
@@ -4973,7 +4866,7 @@
               <a:t>pipe </a:t>
             </a:r>
             <a:r>
-              <a:rPr lang="en-US" sz="1200" dirty="0" smtClean="0">
+              <a:rPr lang="en-US" sz="1200" dirty="0">
                 <a:solidFill>
                   <a:schemeClr val="bg2">
                     <a:lumMod val="25000"/>
@@ -4986,7 +4879,7 @@
               <a:t>%&gt;%</a:t>
             </a:r>
             <a:r>
-              <a:rPr lang="en-US" sz="1400" dirty="0" smtClean="0">
+              <a:rPr lang="en-US" sz="1400" dirty="0">
                 <a:solidFill>
                   <a:schemeClr val="bg2">
                     <a:lumMod val="25000"/>
@@ -4998,16 +4891,6 @@
               </a:rPr>
               <a:t> takes what is before it and brings it into the next function</a:t>
             </a:r>
-            <a:endParaRPr lang="en-US" sz="1400" dirty="0">
-              <a:solidFill>
-                <a:schemeClr val="bg2">
-                  <a:lumMod val="25000"/>
-                </a:schemeClr>
-              </a:solidFill>
-              <a:latin typeface="Garamond" charset="0"/>
-              <a:ea typeface="Garamond" charset="0"/>
-              <a:cs typeface="Garamond" charset="0"/>
-            </a:endParaRPr>
           </a:p>
         </p:txBody>
       </p:sp>
@@ -5037,7 +4920,7 @@
           <a:lstStyle/>
           <a:p>
             <a:r>
-              <a:rPr lang="en-US" sz="1400" b="1" dirty="0" smtClean="0">
+              <a:rPr lang="en-US" sz="1400" b="1" dirty="0">
                 <a:solidFill>
                   <a:schemeClr val="bg2">
                     <a:lumMod val="25000"/>
@@ -5050,7 +4933,7 @@
               <a:t>Filter</a:t>
             </a:r>
             <a:r>
-              <a:rPr lang="en-US" sz="1400" dirty="0" smtClean="0">
+              <a:rPr lang="en-US" sz="1400" dirty="0">
                 <a:solidFill>
                   <a:schemeClr val="bg2">
                     <a:lumMod val="25000"/>
@@ -5063,7 +4946,7 @@
               <a:t> means to </a:t>
             </a:r>
             <a:r>
-              <a:rPr lang="en-US" sz="1400" i="1" dirty="0" smtClean="0">
+              <a:rPr lang="en-US" sz="1400" i="1" dirty="0">
                 <a:solidFill>
                   <a:schemeClr val="bg2">
                     <a:lumMod val="25000"/>
@@ -5075,16 +4958,6 @@
               </a:rPr>
               <a:t>subset the rows</a:t>
             </a:r>
-            <a:endParaRPr lang="en-US" sz="1400" i="1" dirty="0">
-              <a:solidFill>
-                <a:schemeClr val="bg2">
-                  <a:lumMod val="25000"/>
-                </a:schemeClr>
-              </a:solidFill>
-              <a:latin typeface="Garamond" charset="0"/>
-              <a:ea typeface="Garamond" charset="0"/>
-              <a:cs typeface="Garamond" charset="0"/>
-            </a:endParaRPr>
           </a:p>
         </p:txBody>
       </p:sp>
@@ -5114,7 +4987,7 @@
           <a:lstStyle/>
           <a:p>
             <a:r>
-              <a:rPr lang="en-US" sz="1100" dirty="0" smtClean="0">
+              <a:rPr lang="en-US" sz="1100" dirty="0">
                 <a:solidFill>
                   <a:schemeClr val="bg2">
                     <a:lumMod val="25000"/>
@@ -5126,16 +4999,6 @@
               </a:rPr>
               <a:t>If your data is in other formats, come talk to me or Google it</a:t>
             </a:r>
-            <a:endParaRPr lang="en-US" sz="1100" dirty="0">
-              <a:solidFill>
-                <a:schemeClr val="bg2">
-                  <a:lumMod val="25000"/>
-                </a:schemeClr>
-              </a:solidFill>
-              <a:latin typeface="Garamond" charset="0"/>
-              <a:ea typeface="Garamond" charset="0"/>
-              <a:cs typeface="Garamond" charset="0"/>
-            </a:endParaRPr>
           </a:p>
         </p:txBody>
       </p:sp>
@@ -5162,7 +5025,7 @@
           <a:lstStyle/>
           <a:p>
             <a:r>
-              <a:rPr lang="en-US" sz="8800" b="1" smtClean="0">
+              <a:rPr lang="en-US" sz="8800" b="1">
                 <a:solidFill>
                   <a:schemeClr val="accent3"/>
                 </a:solidFill>
@@ -5206,7 +5069,7 @@
           <a:lstStyle/>
           <a:p>
             <a:r>
-              <a:rPr lang="en-US" sz="8800" b="1" dirty="0" smtClean="0">
+              <a:rPr lang="en-US" sz="8800" b="1" dirty="0">
                 <a:solidFill>
                   <a:schemeClr val="accent2"/>
                 </a:solidFill>
@@ -5216,14 +5079,6 @@
               </a:rPr>
               <a:t>3</a:t>
             </a:r>
-            <a:endParaRPr lang="en-US" sz="8800" b="1" dirty="0">
-              <a:solidFill>
-                <a:schemeClr val="accent2"/>
-              </a:solidFill>
-              <a:latin typeface="Garamond" charset="0"/>
-              <a:ea typeface="Garamond" charset="0"/>
-              <a:cs typeface="Garamond" charset="0"/>
-            </a:endParaRPr>
           </a:p>
         </p:txBody>
       </p:sp>
@@ -5260,7 +5115,7 @@
           <a:p>
             <a:pPr algn="ctr"/>
             <a:r>
-              <a:rPr lang="en-US" b="1" dirty="0" smtClean="0">
+              <a:rPr lang="en-US" b="1" dirty="0">
                 <a:solidFill>
                   <a:schemeClr val="bg1"/>
                 </a:solidFill>
@@ -5270,14 +5125,6 @@
               </a:rPr>
               <a:t>Check Your Data</a:t>
             </a:r>
-            <a:endParaRPr lang="en-US" b="1" dirty="0">
-              <a:solidFill>
-                <a:schemeClr val="bg1"/>
-              </a:solidFill>
-              <a:latin typeface="Garamond" charset="0"/>
-              <a:ea typeface="Garamond" charset="0"/>
-              <a:cs typeface="Garamond" charset="0"/>
-            </a:endParaRPr>
           </a:p>
         </p:txBody>
       </p:sp>
@@ -5367,7 +5214,7 @@
           <a:p>
             <a:pPr algn="ctr"/>
             <a:r>
-              <a:rPr lang="en-US" b="1" dirty="0" smtClean="0">
+              <a:rPr lang="en-US" b="1" dirty="0">
                 <a:solidFill>
                   <a:schemeClr val="bg1"/>
                 </a:solidFill>
@@ -5377,14 +5224,6 @@
               </a:rPr>
               <a:t>Clean Your Data (Part 2)</a:t>
             </a:r>
-            <a:endParaRPr lang="en-US" b="1" dirty="0">
-              <a:solidFill>
-                <a:schemeClr val="bg1"/>
-              </a:solidFill>
-              <a:latin typeface="Garamond" charset="0"/>
-              <a:ea typeface="Garamond" charset="0"/>
-              <a:cs typeface="Garamond" charset="0"/>
-            </a:endParaRPr>
           </a:p>
         </p:txBody>
       </p:sp>
@@ -5471,7 +5310,7 @@
           <a:lstStyle/>
           <a:p>
             <a:r>
-              <a:rPr lang="en-US" sz="1200" dirty="0" err="1" smtClean="0">
+              <a:rPr lang="en-US" sz="1200" dirty="0" err="1">
                 <a:solidFill>
                   <a:schemeClr val="bg2">
                     <a:lumMod val="25000"/>
@@ -5484,7 +5323,7 @@
               <a:t>d_new</a:t>
             </a:r>
             <a:r>
-              <a:rPr lang="en-US" sz="1200" dirty="0" smtClean="0">
+              <a:rPr lang="en-US" sz="1200" dirty="0">
                 <a:solidFill>
                   <a:schemeClr val="bg2">
                     <a:lumMod val="25000"/>
@@ -5497,7 +5336,7 @@
               <a:t> &lt;- d </a:t>
             </a:r>
             <a:r>
-              <a:rPr lang="en-US" sz="1200" dirty="0" smtClean="0">
+              <a:rPr lang="en-US" sz="1200" dirty="0">
                 <a:latin typeface="Consolas" charset="0"/>
                 <a:ea typeface="Consolas" charset="0"/>
                 <a:cs typeface="Consolas" charset="0"/>
@@ -5517,23 +5356,10 @@
                 <a:ea typeface="Consolas" charset="0"/>
                 <a:cs typeface="Consolas" charset="0"/>
               </a:rPr>
-              <a:t> </a:t>
-            </a:r>
-            <a:r>
-              <a:rPr lang="en-US" sz="1200" dirty="0" smtClean="0">
-                <a:solidFill>
-                  <a:schemeClr val="bg2">
-                    <a:lumMod val="25000"/>
-                  </a:schemeClr>
-                </a:solidFill>
-                <a:latin typeface="Consolas" charset="0"/>
-                <a:ea typeface="Consolas" charset="0"/>
-                <a:cs typeface="Consolas" charset="0"/>
-              </a:rPr>
-              <a:t> mutate(</a:t>
-            </a:r>
-            <a:r>
-              <a:rPr lang="en-US" sz="1200" dirty="0" err="1" smtClean="0">
+              <a:t>  mutate(</a:t>
+            </a:r>
+            <a:r>
+              <a:rPr lang="en-US" sz="1200" dirty="0" err="1">
                 <a:solidFill>
                   <a:schemeClr val="bg2">
                     <a:lumMod val="25000"/>
@@ -5546,7 +5372,7 @@
               <a:t>var_f</a:t>
             </a:r>
             <a:r>
-              <a:rPr lang="en-US" sz="1200" dirty="0" smtClean="0">
+              <a:rPr lang="en-US" sz="1200" dirty="0">
                 <a:solidFill>
                   <a:schemeClr val="bg2">
                     <a:lumMod val="25000"/>
@@ -5559,7 +5385,7 @@
               <a:t> = </a:t>
             </a:r>
             <a:r>
-              <a:rPr lang="en-US" sz="1200" dirty="0" smtClean="0">
+              <a:rPr lang="en-US" sz="1200" dirty="0">
                 <a:solidFill>
                   <a:schemeClr val="accent6"/>
                 </a:solidFill>
@@ -5570,7 +5396,7 @@
               <a:t>factor</a:t>
             </a:r>
             <a:r>
-              <a:rPr lang="en-US" sz="1200" dirty="0" smtClean="0">
+              <a:rPr lang="en-US" sz="1200" dirty="0">
                 <a:solidFill>
                   <a:schemeClr val="bg2">
                     <a:lumMod val="25000"/>
@@ -5583,7 +5409,7 @@
               <a:t>(</a:t>
             </a:r>
             <a:r>
-              <a:rPr lang="en-US" sz="1200" dirty="0" err="1" smtClean="0">
+              <a:rPr lang="en-US" sz="1200" dirty="0" err="1">
                 <a:solidFill>
                   <a:schemeClr val="bg2">
                     <a:lumMod val="25000"/>
@@ -5596,7 +5422,7 @@
               <a:t>var</a:t>
             </a:r>
             <a:r>
-              <a:rPr lang="en-US" sz="1200" dirty="0" smtClean="0">
+              <a:rPr lang="en-US" sz="1200" dirty="0">
                 <a:solidFill>
                   <a:schemeClr val="bg2">
                     <a:lumMod val="25000"/>
@@ -5608,16 +5434,6 @@
               </a:rPr>
               <a:t>))</a:t>
             </a:r>
-            <a:endParaRPr lang="en-US" sz="1200" dirty="0">
-              <a:solidFill>
-                <a:schemeClr val="bg2">
-                  <a:lumMod val="25000"/>
-                </a:schemeClr>
-              </a:solidFill>
-              <a:latin typeface="Consolas" charset="0"/>
-              <a:ea typeface="Consolas" charset="0"/>
-              <a:cs typeface="Consolas" charset="0"/>
-            </a:endParaRPr>
           </a:p>
         </p:txBody>
       </p:sp>
@@ -5651,7 +5467,7 @@
           <a:lstStyle/>
           <a:p>
             <a:r>
-              <a:rPr lang="en-US" sz="1200" dirty="0" err="1" smtClean="0">
+              <a:rPr lang="en-US" sz="1200" dirty="0" err="1">
                 <a:solidFill>
                   <a:schemeClr val="bg2">
                     <a:lumMod val="25000"/>
@@ -5664,7 +5480,7 @@
               <a:t>d_new</a:t>
             </a:r>
             <a:r>
-              <a:rPr lang="en-US" sz="1200" dirty="0" smtClean="0">
+              <a:rPr lang="en-US" sz="1200" dirty="0">
                 <a:solidFill>
                   <a:schemeClr val="bg2">
                     <a:lumMod val="25000"/>
@@ -5677,7 +5493,7 @@
               <a:t> &lt;- d </a:t>
             </a:r>
             <a:r>
-              <a:rPr lang="en-US" sz="1200" dirty="0" smtClean="0">
+              <a:rPr lang="en-US" sz="1200" dirty="0">
                 <a:latin typeface="Consolas" charset="0"/>
                 <a:ea typeface="Consolas" charset="0"/>
                 <a:cs typeface="Consolas" charset="0"/>
@@ -5687,7 +5503,7 @@
           </a:p>
           <a:p>
             <a:r>
-              <a:rPr lang="en-US" sz="1200" dirty="0" smtClean="0">
+              <a:rPr lang="en-US" sz="1200" dirty="0">
                 <a:solidFill>
                   <a:schemeClr val="bg2">
                     <a:lumMod val="25000"/>
@@ -5700,7 +5516,7 @@
               <a:t>  mutate(</a:t>
             </a:r>
             <a:r>
-              <a:rPr lang="en-US" sz="1200" dirty="0" err="1" smtClean="0">
+              <a:rPr lang="en-US" sz="1200" dirty="0" err="1">
                 <a:solidFill>
                   <a:schemeClr val="bg2">
                     <a:lumMod val="25000"/>
@@ -5713,7 +5529,7 @@
               <a:t>var_n</a:t>
             </a:r>
             <a:r>
-              <a:rPr lang="en-US" sz="1200" dirty="0" smtClean="0">
+              <a:rPr lang="en-US" sz="1200" dirty="0">
                 <a:solidFill>
                   <a:schemeClr val="bg2">
                     <a:lumMod val="25000"/>
@@ -5726,7 +5542,7 @@
               <a:t> = </a:t>
             </a:r>
             <a:r>
-              <a:rPr lang="en-US" sz="1200" dirty="0" smtClean="0">
+              <a:rPr lang="en-US" sz="1200" dirty="0">
                 <a:solidFill>
                   <a:schemeClr val="accent6"/>
                 </a:solidFill>
@@ -5737,7 +5553,7 @@
               <a:t>numeric</a:t>
             </a:r>
             <a:r>
-              <a:rPr lang="en-US" sz="1200" dirty="0" smtClean="0">
+              <a:rPr lang="en-US" sz="1200" dirty="0">
                 <a:solidFill>
                   <a:schemeClr val="bg2">
                     <a:lumMod val="25000"/>
@@ -5750,7 +5566,7 @@
               <a:t>(</a:t>
             </a:r>
             <a:r>
-              <a:rPr lang="en-US" sz="1200" dirty="0" err="1" smtClean="0">
+              <a:rPr lang="en-US" sz="1200" dirty="0" err="1">
                 <a:solidFill>
                   <a:schemeClr val="bg2">
                     <a:lumMod val="25000"/>
@@ -5763,7 +5579,7 @@
               <a:t>var</a:t>
             </a:r>
             <a:r>
-              <a:rPr lang="en-US" sz="1200" dirty="0" smtClean="0">
+              <a:rPr lang="en-US" sz="1200" dirty="0">
                 <a:solidFill>
                   <a:schemeClr val="bg2">
                     <a:lumMod val="25000"/>
@@ -5775,16 +5591,6 @@
               </a:rPr>
               <a:t>))</a:t>
             </a:r>
-            <a:endParaRPr lang="en-US" sz="1200" dirty="0">
-              <a:solidFill>
-                <a:schemeClr val="bg2">
-                  <a:lumMod val="25000"/>
-                </a:schemeClr>
-              </a:solidFill>
-              <a:latin typeface="Consolas" charset="0"/>
-              <a:ea typeface="Consolas" charset="0"/>
-              <a:cs typeface="Consolas" charset="0"/>
-            </a:endParaRPr>
           </a:p>
         </p:txBody>
       </p:sp>
@@ -5818,7 +5624,7 @@
           <a:lstStyle/>
           <a:p>
             <a:r>
-              <a:rPr lang="en-US" sz="1200" smtClean="0">
+              <a:rPr lang="en-US" sz="1200">
                 <a:solidFill>
                   <a:schemeClr val="bg2">
                     <a:lumMod val="25000"/>
@@ -5833,7 +5639,7 @@
           </a:p>
           <a:p>
             <a:r>
-              <a:rPr lang="en-US" sz="1200" dirty="0" err="1" smtClean="0">
+              <a:rPr lang="en-US" sz="1200" dirty="0" err="1">
                 <a:solidFill>
                   <a:schemeClr val="bg2">
                     <a:lumMod val="25000"/>
@@ -5846,7 +5652,7 @@
               <a:t>d_new</a:t>
             </a:r>
             <a:r>
-              <a:rPr lang="en-US" sz="1200" dirty="0" smtClean="0">
+              <a:rPr lang="en-US" sz="1200" dirty="0">
                 <a:solidFill>
                   <a:schemeClr val="bg2">
                     <a:lumMod val="25000"/>
@@ -5861,7 +5667,7 @@
           </a:p>
           <a:p>
             <a:r>
-              <a:rPr lang="en-US" sz="1200" dirty="0" smtClean="0">
+              <a:rPr lang="en-US" sz="1200" dirty="0">
                 <a:solidFill>
                   <a:schemeClr val="bg2">
                     <a:lumMod val="25000"/>
@@ -5874,7 +5680,7 @@
               <a:t>  </a:t>
             </a:r>
             <a:r>
-              <a:rPr lang="en-US" sz="1200" dirty="0" smtClean="0">
+              <a:rPr lang="en-US" sz="1200" dirty="0">
                 <a:latin typeface="Consolas" charset="0"/>
                 <a:ea typeface="Consolas" charset="0"/>
                 <a:cs typeface="Consolas" charset="0"/>
@@ -5882,7 +5688,7 @@
               <a:t>mutate(mean = </a:t>
             </a:r>
             <a:r>
-              <a:rPr lang="en-US" sz="1200" dirty="0" err="1" smtClean="0">
+              <a:rPr lang="en-US" sz="1200" dirty="0" err="1">
                 <a:solidFill>
                   <a:schemeClr val="accent6"/>
                 </a:solidFill>
@@ -5893,18 +5699,13 @@
               <a:t>rowmeans</a:t>
             </a:r>
             <a:r>
-              <a:rPr lang="en-US" sz="1200" dirty="0" smtClean="0">
+              <a:rPr lang="en-US" sz="1200" dirty="0">
                 <a:latin typeface="Consolas" charset="0"/>
                 <a:ea typeface="Consolas" charset="0"/>
                 <a:cs typeface="Consolas" charset="0"/>
               </a:rPr>
               <a:t>(var1, var2))</a:t>
             </a:r>
-            <a:endParaRPr lang="en-US" sz="1200" dirty="0">
-              <a:latin typeface="Consolas" charset="0"/>
-              <a:ea typeface="Consolas" charset="0"/>
-              <a:cs typeface="Consolas" charset="0"/>
-            </a:endParaRPr>
           </a:p>
         </p:txBody>
       </p:sp>
@@ -5934,7 +5735,7 @@
           <a:lstStyle/>
           <a:p>
             <a:r>
-              <a:rPr lang="en-US" sz="1400" b="1" dirty="0" smtClean="0">
+              <a:rPr lang="en-US" sz="1400" b="1" dirty="0">
                 <a:solidFill>
                   <a:schemeClr val="bg2">
                     <a:lumMod val="25000"/>
@@ -5947,7 +5748,7 @@
               <a:t>Numeric </a:t>
             </a:r>
             <a:r>
-              <a:rPr lang="en-US" sz="1400" dirty="0" smtClean="0">
+              <a:rPr lang="en-US" sz="1400" dirty="0">
                 <a:solidFill>
                   <a:schemeClr val="bg2">
                     <a:lumMod val="25000"/>
@@ -5959,16 +5760,6 @@
               </a:rPr>
               <a:t>creates an interval or ratio variable</a:t>
             </a:r>
-            <a:endParaRPr lang="en-US" sz="1400" dirty="0">
-              <a:solidFill>
-                <a:schemeClr val="bg2">
-                  <a:lumMod val="25000"/>
-                </a:schemeClr>
-              </a:solidFill>
-              <a:latin typeface="Garamond" charset="0"/>
-              <a:ea typeface="Garamond" charset="0"/>
-              <a:cs typeface="Garamond" charset="0"/>
-            </a:endParaRPr>
           </a:p>
         </p:txBody>
       </p:sp>
@@ -5998,7 +5789,7 @@
           <a:lstStyle/>
           <a:p>
             <a:r>
-              <a:rPr lang="en-US" sz="1400" b="1" dirty="0" smtClean="0">
+              <a:rPr lang="en-US" sz="1400" b="1" dirty="0">
                 <a:solidFill>
                   <a:schemeClr val="bg2">
                     <a:lumMod val="25000"/>
@@ -6011,7 +5802,7 @@
               <a:t>Factor</a:t>
             </a:r>
             <a:r>
-              <a:rPr lang="en-US" sz="1400" dirty="0" smtClean="0">
+              <a:rPr lang="en-US" sz="1400" dirty="0">
                 <a:solidFill>
                   <a:schemeClr val="bg2">
                     <a:lumMod val="25000"/>
@@ -6023,16 +5814,6 @@
               </a:rPr>
               <a:t> creates a categorical variable (nominal)</a:t>
             </a:r>
-            <a:endParaRPr lang="en-US" sz="1400" dirty="0">
-              <a:solidFill>
-                <a:schemeClr val="bg2">
-                  <a:lumMod val="25000"/>
-                </a:schemeClr>
-              </a:solidFill>
-              <a:latin typeface="Garamond" charset="0"/>
-              <a:ea typeface="Garamond" charset="0"/>
-              <a:cs typeface="Garamond" charset="0"/>
-            </a:endParaRPr>
           </a:p>
         </p:txBody>
       </p:sp>
@@ -6062,7 +5843,7 @@
           <a:lstStyle/>
           <a:p>
             <a:r>
-              <a:rPr lang="en-US" sz="1400" dirty="0" smtClean="0">
+              <a:rPr lang="en-US" sz="1400" dirty="0">
                 <a:solidFill>
                   <a:schemeClr val="bg2">
                     <a:lumMod val="25000"/>
@@ -6075,7 +5856,7 @@
               <a:t>To get the mean of </a:t>
             </a:r>
             <a:r>
-              <a:rPr lang="en-US" sz="1400" i="1" dirty="0" smtClean="0">
+              <a:rPr lang="en-US" sz="1400" i="1" dirty="0">
                 <a:solidFill>
                   <a:schemeClr val="bg2">
                     <a:lumMod val="25000"/>
@@ -6088,7 +5869,7 @@
               <a:t>each observation </a:t>
             </a:r>
             <a:r>
-              <a:rPr lang="en-US" sz="1400" dirty="0" smtClean="0">
+              <a:rPr lang="en-US" sz="1400" dirty="0">
                 <a:solidFill>
                   <a:schemeClr val="bg2">
                     <a:lumMod val="25000"/>
@@ -6101,7 +5882,7 @@
               <a:t>across </a:t>
             </a:r>
             <a:r>
-              <a:rPr lang="en-US" sz="1400" dirty="0" err="1" smtClean="0">
+              <a:rPr lang="en-US" sz="1400" dirty="0" err="1">
                 <a:solidFill>
                   <a:schemeClr val="bg2">
                     <a:lumMod val="25000"/>
@@ -6209,7 +5990,7 @@
           <a:lstStyle/>
           <a:p>
             <a:r>
-              <a:rPr lang="en-US" sz="1200" dirty="0" smtClean="0">
+              <a:rPr lang="en-US" sz="1200" dirty="0">
                 <a:solidFill>
                   <a:schemeClr val="bg2">
                     <a:lumMod val="25000"/>
@@ -6224,7 +6005,7 @@
           </a:p>
           <a:p>
             <a:r>
-              <a:rPr lang="en-US" sz="1200" dirty="0" err="1" smtClean="0">
+              <a:rPr lang="en-US" sz="1200" dirty="0" err="1">
                 <a:solidFill>
                   <a:schemeClr val="accent6"/>
                 </a:solidFill>
@@ -6235,7 +6016,7 @@
               <a:t>tableF</a:t>
             </a:r>
             <a:r>
-              <a:rPr lang="en-US" sz="1200" dirty="0" smtClean="0">
+              <a:rPr lang="en-US" sz="1200" dirty="0">
                 <a:solidFill>
                   <a:schemeClr val="bg2">
                     <a:lumMod val="25000"/>
@@ -6276,7 +6057,7 @@
           <a:lstStyle/>
           <a:p>
             <a:r>
-              <a:rPr lang="en-US" sz="1400" dirty="0" smtClean="0">
+              <a:rPr lang="en-US" sz="1400" dirty="0">
                 <a:solidFill>
                   <a:schemeClr val="bg2">
                     <a:lumMod val="25000"/>
@@ -6289,7 +6070,7 @@
               <a:t>Get </a:t>
             </a:r>
             <a:r>
-              <a:rPr lang="en-US" sz="1400" b="1" dirty="0" smtClean="0">
+              <a:rPr lang="en-US" sz="1400" b="1" dirty="0">
                 <a:solidFill>
                   <a:schemeClr val="bg2">
                     <a:lumMod val="25000"/>
@@ -6302,7 +6083,7 @@
               <a:t>frequencies</a:t>
             </a:r>
             <a:r>
-              <a:rPr lang="en-US" sz="1400" dirty="0" smtClean="0">
+              <a:rPr lang="en-US" sz="1400" dirty="0">
                 <a:solidFill>
                   <a:schemeClr val="bg2">
                     <a:lumMod val="25000"/>
@@ -6314,16 +6095,6 @@
               </a:rPr>
               <a:t> of your variables</a:t>
             </a:r>
-            <a:endParaRPr lang="en-US" sz="1400" dirty="0">
-              <a:solidFill>
-                <a:schemeClr val="bg2">
-                  <a:lumMod val="25000"/>
-                </a:schemeClr>
-              </a:solidFill>
-              <a:latin typeface="Garamond" charset="0"/>
-              <a:ea typeface="Garamond" charset="0"/>
-              <a:cs typeface="Garamond" charset="0"/>
-            </a:endParaRPr>
           </a:p>
         </p:txBody>
       </p:sp>
@@ -6387,7 +6158,7 @@
           <a:lstStyle/>
           <a:p>
             <a:r>
-              <a:rPr lang="en-US" sz="1200" dirty="0" smtClean="0">
+              <a:rPr lang="en-US" sz="1200" dirty="0">
                 <a:solidFill>
                   <a:schemeClr val="bg2">
                     <a:lumMod val="25000"/>
@@ -6402,7 +6173,7 @@
           </a:p>
           <a:p>
             <a:r>
-              <a:rPr lang="en-US" sz="1200" dirty="0" smtClean="0">
+              <a:rPr lang="en-US" sz="1200" dirty="0">
                 <a:solidFill>
                   <a:schemeClr val="accent6"/>
                 </a:solidFill>
@@ -6413,7 +6184,7 @@
               <a:t>table1</a:t>
             </a:r>
             <a:r>
-              <a:rPr lang="en-US" sz="1200" dirty="0" smtClean="0">
+              <a:rPr lang="en-US" sz="1200" dirty="0">
                 <a:solidFill>
                   <a:schemeClr val="bg2">
                     <a:lumMod val="25000"/>
@@ -6438,20 +6209,7 @@
                 <a:ea typeface="Consolas" charset="0"/>
                 <a:cs typeface="Consolas" charset="0"/>
               </a:rPr>
-              <a:t> </a:t>
-            </a:r>
-            <a:r>
-              <a:rPr lang="en-US" sz="1200" dirty="0" smtClean="0">
-                <a:solidFill>
-                  <a:schemeClr val="bg2">
-                    <a:lumMod val="25000"/>
-                  </a:schemeClr>
-                </a:solidFill>
-                <a:latin typeface="Consolas" charset="0"/>
-                <a:ea typeface="Consolas" charset="0"/>
-                <a:cs typeface="Consolas" charset="0"/>
-              </a:rPr>
-              <a:t>      var1, var2, var3)</a:t>
+              <a:t>       var1, var2, var3)</a:t>
             </a:r>
           </a:p>
         </p:txBody>
@@ -6482,7 +6240,7 @@
           <a:lstStyle/>
           <a:p>
             <a:r>
-              <a:rPr lang="en-US" sz="1400" dirty="0" smtClean="0">
+              <a:rPr lang="en-US" sz="1400" dirty="0">
                 <a:solidFill>
                   <a:schemeClr val="bg2">
                     <a:lumMod val="25000"/>
@@ -6495,7 +6253,7 @@
               <a:t>Get </a:t>
             </a:r>
             <a:r>
-              <a:rPr lang="en-US" sz="1400" b="1" dirty="0" smtClean="0">
+              <a:rPr lang="en-US" sz="1400" b="1" dirty="0">
                 <a:solidFill>
                   <a:schemeClr val="bg2">
                     <a:lumMod val="25000"/>
@@ -6508,7 +6266,7 @@
               <a:t>means and SDs </a:t>
             </a:r>
             <a:r>
-              <a:rPr lang="en-US" sz="1400" dirty="0" smtClean="0">
+              <a:rPr lang="en-US" sz="1400" dirty="0">
                 <a:solidFill>
                   <a:schemeClr val="bg2">
                     <a:lumMod val="25000"/>
@@ -6521,7 +6279,7 @@
               <a:t>of many (or all</a:t>
             </a:r>
             <a:r>
-              <a:rPr lang="en-US" sz="1400" smtClean="0">
+              <a:rPr lang="en-US" sz="1400">
                 <a:solidFill>
                   <a:schemeClr val="bg2">
                     <a:lumMod val="25000"/>
@@ -6534,7 +6292,7 @@
               <a:t>) of your </a:t>
             </a:r>
             <a:r>
-              <a:rPr lang="en-US" sz="1400" dirty="0" smtClean="0">
+              <a:rPr lang="en-US" sz="1400" dirty="0">
                 <a:solidFill>
                   <a:schemeClr val="bg2">
                     <a:lumMod val="25000"/>
@@ -6546,16 +6304,6 @@
               </a:rPr>
               <a:t>variables</a:t>
             </a:r>
-            <a:endParaRPr lang="en-US" sz="1400" dirty="0">
-              <a:solidFill>
-                <a:schemeClr val="bg2">
-                  <a:lumMod val="25000"/>
-                </a:schemeClr>
-              </a:solidFill>
-              <a:latin typeface="Garamond" charset="0"/>
-              <a:ea typeface="Garamond" charset="0"/>
-              <a:cs typeface="Garamond" charset="0"/>
-            </a:endParaRPr>
           </a:p>
         </p:txBody>
       </p:sp>
@@ -6642,7 +6390,7 @@
           <a:lstStyle/>
           <a:p>
             <a:r>
-              <a:rPr lang="en-US" sz="1200" dirty="0" smtClean="0">
+              <a:rPr lang="en-US" sz="1200" dirty="0">
                 <a:solidFill>
                   <a:schemeClr val="bg2">
                     <a:lumMod val="25000"/>
@@ -6683,7 +6431,7 @@
           <a:lstStyle/>
           <a:p>
             <a:r>
-              <a:rPr lang="en-US" sz="1400" dirty="0" smtClean="0">
+              <a:rPr lang="en-US" sz="1400" dirty="0">
                 <a:solidFill>
                   <a:schemeClr val="bg2">
                     <a:lumMod val="25000"/>
@@ -6695,16 +6443,6 @@
               </a:rPr>
               <a:t>See your data</a:t>
             </a:r>
-            <a:endParaRPr lang="en-US" sz="1400" dirty="0">
-              <a:solidFill>
-                <a:schemeClr val="bg2">
-                  <a:lumMod val="25000"/>
-                </a:schemeClr>
-              </a:solidFill>
-              <a:latin typeface="Garamond" charset="0"/>
-              <a:ea typeface="Garamond" charset="0"/>
-              <a:cs typeface="Garamond" charset="0"/>
-            </a:endParaRPr>
           </a:p>
         </p:txBody>
       </p:sp>
@@ -6734,7 +6472,7 @@
           <a:lstStyle/>
           <a:p>
             <a:r>
-              <a:rPr lang="en-US" sz="1400" dirty="0" smtClean="0">
+              <a:rPr lang="en-US" sz="1400" dirty="0">
                 <a:solidFill>
                   <a:schemeClr val="bg2">
                     <a:lumMod val="25000"/>
@@ -6747,7 +6485,7 @@
               <a:t>Get </a:t>
             </a:r>
             <a:r>
-              <a:rPr lang="en-US" sz="1400" smtClean="0">
+              <a:rPr lang="en-US" sz="1400">
                 <a:solidFill>
                   <a:schemeClr val="bg2">
                     <a:lumMod val="25000"/>
@@ -6803,7 +6541,7 @@
           <a:p>
             <a:pPr algn="ctr"/>
             <a:r>
-              <a:rPr lang="en-US" sz="1200" i="1" dirty="0" smtClean="0">
+              <a:rPr lang="en-US" sz="1200" i="1" dirty="0">
                 <a:solidFill>
                   <a:schemeClr val="accent3"/>
                 </a:solidFill>
@@ -6811,10 +6549,10 @@
                 <a:ea typeface="Consolas" charset="0"/>
                 <a:cs typeface="Consolas" charset="0"/>
               </a:rPr>
-              <a:t>Before starting, load the </a:t>
-            </a:r>
-            <a:r>
-              <a:rPr lang="en-US" sz="1200" i="1" dirty="0" err="1" smtClean="0">
+              <a:t>**Before starting, load the </a:t>
+            </a:r>
+            <a:r>
+              <a:rPr lang="en-US" sz="1200" i="1" dirty="0" err="1">
                 <a:solidFill>
                   <a:schemeClr val="accent3"/>
                 </a:solidFill>
@@ -6825,7 +6563,7 @@
               <a:t>tidyverse</a:t>
             </a:r>
             <a:r>
-              <a:rPr lang="en-US" sz="1200" i="1" dirty="0" smtClean="0">
+              <a:rPr lang="en-US" sz="1200" i="1" dirty="0">
                 <a:solidFill>
                   <a:schemeClr val="accent3"/>
                 </a:solidFill>
@@ -6836,7 +6574,7 @@
               <a:t>: </a:t>
             </a:r>
             <a:r>
-              <a:rPr lang="en-US" sz="1200" dirty="0" smtClean="0">
+              <a:rPr lang="en-US" sz="1200" dirty="0">
                 <a:solidFill>
                   <a:schemeClr val="accent3"/>
                 </a:solidFill>
@@ -6847,7 +6585,7 @@
               <a:t>library(</a:t>
             </a:r>
             <a:r>
-              <a:rPr lang="en-US" sz="1200" dirty="0" err="1" smtClean="0">
+              <a:rPr lang="en-US" sz="1200" dirty="0" err="1">
                 <a:solidFill>
                   <a:schemeClr val="accent3"/>
                 </a:solidFill>
@@ -6858,7 +6596,7 @@
               <a:t>tidyverse</a:t>
             </a:r>
             <a:r>
-              <a:rPr lang="en-US" sz="1200" dirty="0" smtClean="0">
+              <a:rPr lang="en-US" sz="1200" dirty="0">
                 <a:solidFill>
                   <a:schemeClr val="accent3"/>
                 </a:solidFill>
@@ -6866,7 +6604,7 @@
                 <a:ea typeface="Consolas" charset="0"/>
                 <a:cs typeface="Consolas" charset="0"/>
               </a:rPr>
-              <a:t>)</a:t>
+              <a:t>)**</a:t>
             </a:r>
             <a:endParaRPr lang="en-US" sz="1200" i="1" dirty="0">
               <a:solidFill>
@@ -6909,7 +6647,7 @@
           <a:lstStyle/>
           <a:p>
             <a:r>
-              <a:rPr lang="en-US" sz="1200" dirty="0" smtClean="0">
+              <a:rPr lang="en-US" sz="1200" dirty="0">
                 <a:solidFill>
                   <a:schemeClr val="bg2">
                     <a:lumMod val="25000"/>
@@ -6924,7 +6662,7 @@
           </a:p>
           <a:p>
             <a:r>
-              <a:rPr lang="en-US" sz="1200" dirty="0" smtClean="0">
+              <a:rPr lang="en-US" sz="1200" dirty="0">
                 <a:solidFill>
                   <a:schemeClr val="bg2">
                     <a:lumMod val="25000"/>

--- a/Resources/R_Cheatsheet.pptx
+++ b/Resources/R_Cheatsheet.pptx
@@ -197,7 +197,7 @@
           <a:p>
             <a:fld id="{7105475D-7598-F44C-A795-5016ED708064}" type="datetimeFigureOut">
               <a:rPr lang="en-US" smtClean="0"/>
-              <a:t>9/11/19</a:t>
+              <a:t>9/19/19</a:t>
             </a:fld>
             <a:endParaRPr lang="en-US"/>
           </a:p>
@@ -679,7 +679,7 @@
           <a:p>
             <a:fld id="{F5FC671D-FC3B-5049-AFF2-F401565E3390}" type="datetimeFigureOut">
               <a:rPr lang="en-US" smtClean="0"/>
-              <a:t>9/11/19</a:t>
+              <a:t>9/19/19</a:t>
             </a:fld>
             <a:endParaRPr lang="en-US"/>
           </a:p>
@@ -844,7 +844,7 @@
           <a:p>
             <a:fld id="{F5FC671D-FC3B-5049-AFF2-F401565E3390}" type="datetimeFigureOut">
               <a:rPr lang="en-US" smtClean="0"/>
-              <a:t>9/11/19</a:t>
+              <a:t>9/19/19</a:t>
             </a:fld>
             <a:endParaRPr lang="en-US"/>
           </a:p>
@@ -1019,7 +1019,7 @@
           <a:p>
             <a:fld id="{F5FC671D-FC3B-5049-AFF2-F401565E3390}" type="datetimeFigureOut">
               <a:rPr lang="en-US" smtClean="0"/>
-              <a:t>9/11/19</a:t>
+              <a:t>9/19/19</a:t>
             </a:fld>
             <a:endParaRPr lang="en-US"/>
           </a:p>
@@ -1184,7 +1184,7 @@
           <a:p>
             <a:fld id="{F5FC671D-FC3B-5049-AFF2-F401565E3390}" type="datetimeFigureOut">
               <a:rPr lang="en-US" smtClean="0"/>
-              <a:t>9/11/19</a:t>
+              <a:t>9/19/19</a:t>
             </a:fld>
             <a:endParaRPr lang="en-US"/>
           </a:p>
@@ -1425,7 +1425,7 @@
           <a:p>
             <a:fld id="{F5FC671D-FC3B-5049-AFF2-F401565E3390}" type="datetimeFigureOut">
               <a:rPr lang="en-US" smtClean="0"/>
-              <a:t>9/11/19</a:t>
+              <a:t>9/19/19</a:t>
             </a:fld>
             <a:endParaRPr lang="en-US"/>
           </a:p>
@@ -1652,7 +1652,7 @@
           <a:p>
             <a:fld id="{F5FC671D-FC3B-5049-AFF2-F401565E3390}" type="datetimeFigureOut">
               <a:rPr lang="en-US" smtClean="0"/>
-              <a:t>9/11/19</a:t>
+              <a:t>9/19/19</a:t>
             </a:fld>
             <a:endParaRPr lang="en-US"/>
           </a:p>
@@ -2014,7 +2014,7 @@
           <a:p>
             <a:fld id="{F5FC671D-FC3B-5049-AFF2-F401565E3390}" type="datetimeFigureOut">
               <a:rPr lang="en-US" smtClean="0"/>
-              <a:t>9/11/19</a:t>
+              <a:t>9/19/19</a:t>
             </a:fld>
             <a:endParaRPr lang="en-US"/>
           </a:p>
@@ -2127,7 +2127,7 @@
           <a:p>
             <a:fld id="{F5FC671D-FC3B-5049-AFF2-F401565E3390}" type="datetimeFigureOut">
               <a:rPr lang="en-US" smtClean="0"/>
-              <a:t>9/11/19</a:t>
+              <a:t>9/19/19</a:t>
             </a:fld>
             <a:endParaRPr lang="en-US"/>
           </a:p>
@@ -2217,7 +2217,7 @@
           <a:p>
             <a:fld id="{F5FC671D-FC3B-5049-AFF2-F401565E3390}" type="datetimeFigureOut">
               <a:rPr lang="en-US" smtClean="0"/>
-              <a:t>9/11/19</a:t>
+              <a:t>9/19/19</a:t>
             </a:fld>
             <a:endParaRPr lang="en-US"/>
           </a:p>
@@ -2489,7 +2489,7 @@
           <a:p>
             <a:fld id="{F5FC671D-FC3B-5049-AFF2-F401565E3390}" type="datetimeFigureOut">
               <a:rPr lang="en-US" smtClean="0"/>
-              <a:t>9/11/19</a:t>
+              <a:t>9/19/19</a:t>
             </a:fld>
             <a:endParaRPr lang="en-US"/>
           </a:p>
@@ -2741,7 +2741,7 @@
           <a:p>
             <a:fld id="{F5FC671D-FC3B-5049-AFF2-F401565E3390}" type="datetimeFigureOut">
               <a:rPr lang="en-US" smtClean="0"/>
-              <a:t>9/11/19</a:t>
+              <a:t>9/19/19</a:t>
             </a:fld>
             <a:endParaRPr lang="en-US"/>
           </a:p>
@@ -2949,7 +2949,7 @@
           <a:p>
             <a:fld id="{F5FC671D-FC3B-5049-AFF2-F401565E3390}" type="datetimeFigureOut">
               <a:rPr lang="en-US" smtClean="0"/>
-              <a:t>9/11/19</a:t>
+              <a:t>9/19/19</a:t>
             </a:fld>
             <a:endParaRPr lang="en-US"/>
           </a:p>
@@ -4335,7 +4335,7 @@
         <p:spPr>
           <a:xfrm>
             <a:off x="4421510" y="2905208"/>
-            <a:ext cx="2648482" cy="461665"/>
+            <a:ext cx="3243196" cy="646331"/>
           </a:xfrm>
           <a:prstGeom prst="rect">
             <a:avLst/>
@@ -4356,6 +4356,58 @@
           <a:lstStyle/>
           <a:p>
             <a:r>
+              <a:rPr lang="en-US" sz="1050" dirty="0">
+                <a:solidFill>
+                  <a:schemeClr val="bg2">
+                    <a:lumMod val="25000"/>
+                  </a:schemeClr>
+                </a:solidFill>
+                <a:latin typeface="Consolas" charset="0"/>
+                <a:ea typeface="Consolas" charset="0"/>
+                <a:cs typeface="Consolas" charset="0"/>
+              </a:rPr>
+              <a:t># Not real code</a:t>
+            </a:r>
+          </a:p>
+          <a:p>
+            <a:r>
+              <a:rPr lang="en-US" sz="1200" dirty="0">
+                <a:solidFill>
+                  <a:schemeClr val="bg2">
+                    <a:lumMod val="25000"/>
+                  </a:schemeClr>
+                </a:solidFill>
+                <a:latin typeface="Consolas" charset="0"/>
+                <a:ea typeface="Consolas" charset="0"/>
+                <a:cs typeface="Consolas" charset="0"/>
+              </a:rPr>
+              <a:t>me </a:t>
+            </a:r>
+            <a:r>
+              <a:rPr lang="en-US" sz="1200" dirty="0">
+                <a:solidFill>
+                  <a:schemeClr val="accent6"/>
+                </a:solidFill>
+                <a:latin typeface="Consolas" charset="0"/>
+                <a:ea typeface="Consolas" charset="0"/>
+                <a:cs typeface="Consolas" charset="0"/>
+              </a:rPr>
+              <a:t>%&gt;%</a:t>
+            </a:r>
+            <a:r>
+              <a:rPr lang="en-US" sz="1200" dirty="0">
+                <a:solidFill>
+                  <a:schemeClr val="bg2">
+                    <a:lumMod val="25000"/>
+                  </a:schemeClr>
+                </a:solidFill>
+                <a:latin typeface="Consolas" charset="0"/>
+                <a:ea typeface="Consolas" charset="0"/>
+                <a:cs typeface="Consolas" charset="0"/>
+              </a:rPr>
+              <a:t> </a:t>
+            </a:r>
+            <a:r>
               <a:rPr lang="en-US" sz="1200" dirty="0" err="1">
                 <a:solidFill>
                   <a:schemeClr val="bg2">
@@ -4366,7 +4418,7 @@
                 <a:ea typeface="Consolas" charset="0"/>
                 <a:cs typeface="Consolas" charset="0"/>
               </a:rPr>
-              <a:t>d_new</a:t>
+              <a:t>wake_up</a:t>
             </a:r>
             <a:r>
               <a:rPr lang="en-US" sz="1200" dirty="0">
@@ -4379,7 +4431,7 @@
                 <a:ea typeface="Consolas" charset="0"/>
                 <a:cs typeface="Consolas" charset="0"/>
               </a:rPr>
-              <a:t> &lt;- d </a:t>
+              <a:t>() </a:t>
             </a:r>
             <a:r>
               <a:rPr lang="en-US" sz="1200" dirty="0">
@@ -4392,8 +4444,6 @@
               </a:rPr>
               <a:t>%&gt;%</a:t>
             </a:r>
-          </a:p>
-          <a:p>
             <a:r>
               <a:rPr lang="en-US" sz="1200" dirty="0">
                 <a:solidFill>
@@ -4405,7 +4455,33 @@
                 <a:ea typeface="Consolas" charset="0"/>
                 <a:cs typeface="Consolas" charset="0"/>
               </a:rPr>
-              <a:t>  mutate(</a:t>
+              <a:t> exercise()</a:t>
+            </a:r>
+            <a:r>
+              <a:rPr lang="en-US" sz="1200" dirty="0">
+                <a:solidFill>
+                  <a:schemeClr val="accent6"/>
+                </a:solidFill>
+                <a:latin typeface="Consolas" charset="0"/>
+                <a:ea typeface="Consolas" charset="0"/>
+                <a:cs typeface="Consolas" charset="0"/>
+              </a:rPr>
+              <a:t> %&gt;% </a:t>
+            </a:r>
+          </a:p>
+          <a:p>
+            <a:r>
+              <a:rPr lang="en-US" sz="1200" dirty="0">
+                <a:solidFill>
+                  <a:schemeClr val="bg2">
+                    <a:lumMod val="25000"/>
+                  </a:schemeClr>
+                </a:solidFill>
+                <a:latin typeface="Consolas" charset="0"/>
+                <a:ea typeface="Consolas" charset="0"/>
+                <a:cs typeface="Consolas" charset="0"/>
+              </a:rPr>
+              <a:t>  </a:t>
             </a:r>
             <a:r>
               <a:rPr lang="en-US" sz="1200" dirty="0" err="1">
@@ -4418,7 +4494,7 @@
                 <a:ea typeface="Consolas" charset="0"/>
                 <a:cs typeface="Consolas" charset="0"/>
               </a:rPr>
-              <a:t>var_f</a:t>
+              <a:t>eat_breakfast</a:t>
             </a:r>
             <a:r>
               <a:rPr lang="en-US" sz="1200" dirty="0">
@@ -4431,33 +4507,31 @@
                 <a:ea typeface="Consolas" charset="0"/>
                 <a:cs typeface="Consolas" charset="0"/>
               </a:rPr>
-              <a:t> = factor(</a:t>
-            </a:r>
-            <a:r>
-              <a:rPr lang="en-US" sz="1200" dirty="0" err="1">
-                <a:solidFill>
-                  <a:schemeClr val="bg2">
-                    <a:lumMod val="25000"/>
-                  </a:schemeClr>
-                </a:solidFill>
-                <a:latin typeface="Consolas" charset="0"/>
-                <a:ea typeface="Consolas" charset="0"/>
-                <a:cs typeface="Consolas" charset="0"/>
-              </a:rPr>
-              <a:t>var</a:t>
+              <a:t>() </a:t>
             </a:r>
             <a:r>
               <a:rPr lang="en-US" sz="1200" dirty="0">
                 <a:solidFill>
-                  <a:schemeClr val="bg2">
-                    <a:lumMod val="25000"/>
-                  </a:schemeClr>
-                </a:solidFill>
-                <a:latin typeface="Consolas" charset="0"/>
-                <a:ea typeface="Consolas" charset="0"/>
-                <a:cs typeface="Consolas" charset="0"/>
-              </a:rPr>
-              <a:t>))</a:t>
+                  <a:schemeClr val="accent6"/>
+                </a:solidFill>
+                <a:latin typeface="Consolas" charset="0"/>
+                <a:ea typeface="Consolas" charset="0"/>
+                <a:cs typeface="Consolas" charset="0"/>
+              </a:rPr>
+              <a:t>%&gt;%</a:t>
+            </a:r>
+            <a:r>
+              <a:rPr lang="en-US" sz="1200" dirty="0">
+                <a:solidFill>
+                  <a:schemeClr val="bg2">
+                    <a:lumMod val="25000"/>
+                  </a:schemeClr>
+                </a:solidFill>
+                <a:latin typeface="Consolas" charset="0"/>
+                <a:ea typeface="Consolas" charset="0"/>
+                <a:cs typeface="Consolas" charset="0"/>
+              </a:rPr>
+              <a:t> shower()</a:t>
             </a:r>
           </a:p>
         </p:txBody>
@@ -4470,7 +4544,7 @@
         </p:nvSpPr>
         <p:spPr>
           <a:xfrm>
-            <a:off x="4430874" y="3719679"/>
+            <a:off x="4430874" y="3802803"/>
             <a:ext cx="3413114" cy="461665"/>
           </a:xfrm>
           <a:prstGeom prst="rect">
@@ -4716,7 +4790,7 @@
         </p:nvSpPr>
         <p:spPr>
           <a:xfrm>
-            <a:off x="4252176" y="3398253"/>
+            <a:off x="4252176" y="3529870"/>
             <a:ext cx="3591812" cy="307777"/>
           </a:xfrm>
           <a:prstGeom prst="rect">
@@ -4889,7 +4963,7 @@
                 <a:ea typeface="Garamond" charset="0"/>
                 <a:cs typeface="Garamond" charset="0"/>
               </a:rPr>
-              <a:t> takes what is before it and brings it into the next function</a:t>
+              <a:t> takes what is before it and brings it into the next function (can be read as “then”)</a:t>
             </a:r>
           </a:p>
         </p:txBody>
@@ -4902,7 +4976,7 @@
         </p:nvSpPr>
         <p:spPr>
           <a:xfrm>
-            <a:off x="4273124" y="4208448"/>
+            <a:off x="4273124" y="4243083"/>
             <a:ext cx="3570864" cy="307777"/>
           </a:xfrm>
           <a:prstGeom prst="rect">
@@ -5289,7 +5363,7 @@
         <p:spPr>
           <a:xfrm>
             <a:off x="8248035" y="2721100"/>
-            <a:ext cx="3049806" cy="461665"/>
+            <a:ext cx="3049806" cy="430887"/>
           </a:xfrm>
           <a:prstGeom prst="rect">
             <a:avLst/>
@@ -5310,7 +5384,7 @@
           <a:lstStyle/>
           <a:p>
             <a:r>
-              <a:rPr lang="en-US" sz="1200" dirty="0" err="1">
+              <a:rPr lang="en-US" sz="1100" dirty="0" err="1">
                 <a:solidFill>
                   <a:schemeClr val="bg2">
                     <a:lumMod val="25000"/>
@@ -5323,7 +5397,7 @@
               <a:t>d_new</a:t>
             </a:r>
             <a:r>
-              <a:rPr lang="en-US" sz="1200" dirty="0">
+              <a:rPr lang="en-US" sz="1100" dirty="0">
                 <a:solidFill>
                   <a:schemeClr val="bg2">
                     <a:lumMod val="25000"/>
@@ -5336,7 +5410,7 @@
               <a:t> &lt;- d </a:t>
             </a:r>
             <a:r>
-              <a:rPr lang="en-US" sz="1200" dirty="0">
+              <a:rPr lang="en-US" sz="1100" dirty="0">
                 <a:latin typeface="Consolas" charset="0"/>
                 <a:ea typeface="Consolas" charset="0"/>
                 <a:cs typeface="Consolas" charset="0"/>
@@ -5346,7 +5420,7 @@
           </a:p>
           <a:p>
             <a:r>
-              <a:rPr lang="en-US" sz="1200" dirty="0">
+              <a:rPr lang="en-US" sz="1100" dirty="0">
                 <a:solidFill>
                   <a:schemeClr val="bg2">
                     <a:lumMod val="25000"/>
@@ -5359,7 +5433,7 @@
               <a:t>  mutate(</a:t>
             </a:r>
             <a:r>
-              <a:rPr lang="en-US" sz="1200" dirty="0" err="1">
+              <a:rPr lang="en-US" sz="1100" dirty="0" err="1">
                 <a:solidFill>
                   <a:schemeClr val="bg2">
                     <a:lumMod val="25000"/>
@@ -5372,7 +5446,7 @@
               <a:t>var_f</a:t>
             </a:r>
             <a:r>
-              <a:rPr lang="en-US" sz="1200" dirty="0">
+              <a:rPr lang="en-US" sz="1100" dirty="0">
                 <a:solidFill>
                   <a:schemeClr val="bg2">
                     <a:lumMod val="25000"/>
@@ -5385,7 +5459,7 @@
               <a:t> = </a:t>
             </a:r>
             <a:r>
-              <a:rPr lang="en-US" sz="1200" dirty="0">
+              <a:rPr lang="en-US" sz="1100" dirty="0">
                 <a:solidFill>
                   <a:schemeClr val="accent6"/>
                 </a:solidFill>
@@ -5396,7 +5470,7 @@
               <a:t>factor</a:t>
             </a:r>
             <a:r>
-              <a:rPr lang="en-US" sz="1200" dirty="0">
+              <a:rPr lang="en-US" sz="1100" dirty="0">
                 <a:solidFill>
                   <a:schemeClr val="bg2">
                     <a:lumMod val="25000"/>
@@ -5409,7 +5483,7 @@
               <a:t>(</a:t>
             </a:r>
             <a:r>
-              <a:rPr lang="en-US" sz="1200" dirty="0" err="1">
+              <a:rPr lang="en-US" sz="1100" dirty="0" err="1">
                 <a:solidFill>
                   <a:schemeClr val="bg2">
                     <a:lumMod val="25000"/>
@@ -5422,7 +5496,7 @@
               <a:t>var</a:t>
             </a:r>
             <a:r>
-              <a:rPr lang="en-US" sz="1200" dirty="0">
+              <a:rPr lang="en-US" sz="1100" dirty="0">
                 <a:solidFill>
                   <a:schemeClr val="bg2">
                     <a:lumMod val="25000"/>
@@ -5445,8 +5519,8 @@
         </p:nvSpPr>
         <p:spPr>
           <a:xfrm>
-            <a:off x="8245995" y="3454161"/>
-            <a:ext cx="2733441" cy="461665"/>
+            <a:off x="8245995" y="3485334"/>
+            <a:ext cx="3416320" cy="430887"/>
           </a:xfrm>
           <a:prstGeom prst="rect">
             <a:avLst/>
@@ -5467,7 +5541,7 @@
           <a:lstStyle/>
           <a:p>
             <a:r>
-              <a:rPr lang="en-US" sz="1200" dirty="0" err="1">
+              <a:rPr lang="en-US" sz="1100" dirty="0" err="1">
                 <a:solidFill>
                   <a:schemeClr val="bg2">
                     <a:lumMod val="25000"/>
@@ -5480,7 +5554,7 @@
               <a:t>d_new</a:t>
             </a:r>
             <a:r>
-              <a:rPr lang="en-US" sz="1200" dirty="0">
+              <a:rPr lang="en-US" sz="1100" dirty="0">
                 <a:solidFill>
                   <a:schemeClr val="bg2">
                     <a:lumMod val="25000"/>
@@ -5493,7 +5567,7 @@
               <a:t> &lt;- d </a:t>
             </a:r>
             <a:r>
-              <a:rPr lang="en-US" sz="1200" dirty="0">
+              <a:rPr lang="en-US" sz="1100" dirty="0">
                 <a:latin typeface="Consolas" charset="0"/>
                 <a:ea typeface="Consolas" charset="0"/>
                 <a:cs typeface="Consolas" charset="0"/>
@@ -5503,46 +5577,20 @@
           </a:p>
           <a:p>
             <a:r>
-              <a:rPr lang="en-US" sz="1200" dirty="0">
-                <a:solidFill>
-                  <a:schemeClr val="bg2">
-                    <a:lumMod val="25000"/>
-                  </a:schemeClr>
-                </a:solidFill>
-                <a:latin typeface="Consolas" charset="0"/>
-                <a:ea typeface="Consolas" charset="0"/>
-                <a:cs typeface="Consolas" charset="0"/>
-              </a:rPr>
-              <a:t>  mutate(</a:t>
-            </a:r>
-            <a:r>
-              <a:rPr lang="en-US" sz="1200" dirty="0" err="1">
-                <a:solidFill>
-                  <a:schemeClr val="bg2">
-                    <a:lumMod val="25000"/>
-                  </a:schemeClr>
-                </a:solidFill>
-                <a:latin typeface="Consolas" charset="0"/>
-                <a:ea typeface="Consolas" charset="0"/>
-                <a:cs typeface="Consolas" charset="0"/>
-              </a:rPr>
-              <a:t>var_n</a:t>
-            </a:r>
-            <a:r>
-              <a:rPr lang="en-US" sz="1200" dirty="0">
-                <a:solidFill>
-                  <a:schemeClr val="bg2">
-                    <a:lumMod val="25000"/>
-                  </a:schemeClr>
-                </a:solidFill>
-                <a:latin typeface="Consolas" charset="0"/>
-                <a:ea typeface="Consolas" charset="0"/>
-                <a:cs typeface="Consolas" charset="0"/>
-              </a:rPr>
-              <a:t> = </a:t>
-            </a:r>
-            <a:r>
-              <a:rPr lang="en-US" sz="1200" dirty="0">
+              <a:rPr lang="en-US" sz="1100" dirty="0">
+                <a:solidFill>
+                  <a:schemeClr val="bg2">
+                    <a:lumMod val="25000"/>
+                  </a:schemeClr>
+                </a:solidFill>
+                <a:latin typeface="Consolas" charset="0"/>
+                <a:ea typeface="Consolas" charset="0"/>
+                <a:cs typeface="Consolas" charset="0"/>
+              </a:rPr>
+              <a:t>  mutate(v2 = </a:t>
+            </a:r>
+            <a:r>
+              <a:rPr lang="en-US" sz="1100" dirty="0" err="1">
                 <a:solidFill>
                   <a:schemeClr val="accent6"/>
                 </a:solidFill>
@@ -5550,46 +5598,46 @@
                 <a:ea typeface="Consolas" charset="0"/>
                 <a:cs typeface="Consolas" charset="0"/>
               </a:rPr>
-              <a:t>numeric</a:t>
-            </a:r>
-            <a:r>
-              <a:rPr lang="en-US" sz="1200" dirty="0">
-                <a:solidFill>
-                  <a:schemeClr val="bg2">
-                    <a:lumMod val="25000"/>
-                  </a:schemeClr>
-                </a:solidFill>
-                <a:latin typeface="Consolas" charset="0"/>
-                <a:ea typeface="Consolas" charset="0"/>
-                <a:cs typeface="Consolas" charset="0"/>
-              </a:rPr>
-              <a:t>(</a:t>
-            </a:r>
-            <a:r>
-              <a:rPr lang="en-US" sz="1200" dirty="0" err="1">
-                <a:solidFill>
-                  <a:schemeClr val="bg2">
-                    <a:lumMod val="25000"/>
-                  </a:schemeClr>
-                </a:solidFill>
-                <a:latin typeface="Consolas" charset="0"/>
-                <a:ea typeface="Consolas" charset="0"/>
-                <a:cs typeface="Consolas" charset="0"/>
-              </a:rPr>
-              <a:t>var</a:t>
-            </a:r>
-            <a:r>
-              <a:rPr lang="en-US" sz="1200" dirty="0">
-                <a:solidFill>
-                  <a:schemeClr val="bg2">
-                    <a:lumMod val="25000"/>
-                  </a:schemeClr>
-                </a:solidFill>
-                <a:latin typeface="Consolas" charset="0"/>
-                <a:ea typeface="Consolas" charset="0"/>
-                <a:cs typeface="Consolas" charset="0"/>
-              </a:rPr>
-              <a:t>))</a:t>
+              <a:t>case_when</a:t>
+            </a:r>
+            <a:r>
+              <a:rPr lang="en-US" sz="1100" dirty="0">
+                <a:solidFill>
+                  <a:schemeClr val="bg2">
+                    <a:lumMod val="25000"/>
+                  </a:schemeClr>
+                </a:solidFill>
+                <a:latin typeface="Consolas" charset="0"/>
+                <a:ea typeface="Consolas" charset="0"/>
+                <a:cs typeface="Consolas" charset="0"/>
+              </a:rPr>
+              <a:t>(var == 1 ~ “</a:t>
+            </a:r>
+            <a:r>
+              <a:rPr lang="en-US" sz="1100" dirty="0" err="1">
+                <a:solidFill>
+                  <a:schemeClr val="bg2">
+                    <a:lumMod val="25000"/>
+                  </a:schemeClr>
+                </a:solidFill>
+                <a:latin typeface="Consolas" charset="0"/>
+                <a:ea typeface="Consolas" charset="0"/>
+                <a:cs typeface="Consolas" charset="0"/>
+              </a:rPr>
+              <a:t>val</a:t>
+            </a:r>
+            <a:r>
+              <a:rPr lang="en-US" sz="1100" dirty="0">
+                <a:solidFill>
+                  <a:schemeClr val="bg2">
+                    <a:lumMod val="25000"/>
+                  </a:schemeClr>
+                </a:solidFill>
+                <a:latin typeface="Consolas" charset="0"/>
+                <a:ea typeface="Consolas" charset="0"/>
+                <a:cs typeface="Consolas" charset="0"/>
+              </a:rPr>
+              <a:t>”))</a:t>
             </a:r>
           </a:p>
         </p:txBody>
@@ -5603,7 +5651,7 @@
         <p:spPr>
           <a:xfrm>
             <a:off x="8245995" y="4239113"/>
-            <a:ext cx="3383688" cy="646331"/>
+            <a:ext cx="3383688" cy="600164"/>
           </a:xfrm>
           <a:prstGeom prst="rect">
             <a:avLst/>
@@ -5624,7 +5672,7 @@
           <a:lstStyle/>
           <a:p>
             <a:r>
-              <a:rPr lang="en-US" sz="1200">
+              <a:rPr lang="en-US" sz="1100">
                 <a:solidFill>
                   <a:schemeClr val="bg2">
                     <a:lumMod val="25000"/>
@@ -5639,7 +5687,7 @@
           </a:p>
           <a:p>
             <a:r>
-              <a:rPr lang="en-US" sz="1200" dirty="0" err="1">
+              <a:rPr lang="en-US" sz="1100" dirty="0" err="1">
                 <a:solidFill>
                   <a:schemeClr val="bg2">
                     <a:lumMod val="25000"/>
@@ -5652,7 +5700,7 @@
               <a:t>d_new</a:t>
             </a:r>
             <a:r>
-              <a:rPr lang="en-US" sz="1200" dirty="0">
+              <a:rPr lang="en-US" sz="1100" dirty="0">
                 <a:solidFill>
                   <a:schemeClr val="bg2">
                     <a:lumMod val="25000"/>
@@ -5667,7 +5715,7 @@
           </a:p>
           <a:p>
             <a:r>
-              <a:rPr lang="en-US" sz="1200" dirty="0">
+              <a:rPr lang="en-US" sz="1100" dirty="0">
                 <a:solidFill>
                   <a:schemeClr val="bg2">
                     <a:lumMod val="25000"/>
@@ -5680,7 +5728,7 @@
               <a:t>  </a:t>
             </a:r>
             <a:r>
-              <a:rPr lang="en-US" sz="1200" dirty="0">
+              <a:rPr lang="en-US" sz="1100" dirty="0">
                 <a:latin typeface="Consolas" charset="0"/>
                 <a:ea typeface="Consolas" charset="0"/>
                 <a:cs typeface="Consolas" charset="0"/>
@@ -5688,7 +5736,7 @@
               <a:t>mutate(mean = </a:t>
             </a:r>
             <a:r>
-              <a:rPr lang="en-US" sz="1200" dirty="0" err="1">
+              <a:rPr lang="en-US" sz="1100" dirty="0" err="1">
                 <a:solidFill>
                   <a:schemeClr val="accent6"/>
                 </a:solidFill>
@@ -5699,7 +5747,7 @@
               <a:t>rowmeans</a:t>
             </a:r>
             <a:r>
-              <a:rPr lang="en-US" sz="1200" dirty="0">
+              <a:rPr lang="en-US" sz="1100" dirty="0">
                 <a:latin typeface="Consolas" charset="0"/>
                 <a:ea typeface="Consolas" charset="0"/>
                 <a:cs typeface="Consolas" charset="0"/>
@@ -5735,7 +5783,7 @@
           <a:lstStyle/>
           <a:p>
             <a:r>
-              <a:rPr lang="en-US" sz="1400" b="1" dirty="0">
+              <a:rPr lang="en-US" sz="1400" b="1" dirty="0" err="1">
                 <a:solidFill>
                   <a:schemeClr val="bg2">
                     <a:lumMod val="25000"/>
@@ -5745,10 +5793,10 @@
                 <a:ea typeface="Garamond" charset="0"/>
                 <a:cs typeface="Garamond" charset="0"/>
               </a:rPr>
-              <a:t>Numeric </a:t>
-            </a:r>
-            <a:r>
-              <a:rPr lang="en-US" sz="1400" dirty="0">
+              <a:t>case_when</a:t>
+            </a:r>
+            <a:r>
+              <a:rPr lang="en-US" sz="1400" b="1" dirty="0">
                 <a:solidFill>
                   <a:schemeClr val="bg2">
                     <a:lumMod val="25000"/>
@@ -5758,7 +5806,20 @@
                 <a:ea typeface="Garamond" charset="0"/>
                 <a:cs typeface="Garamond" charset="0"/>
               </a:rPr>
-              <a:t>creates an interval or ratio variable</a:t>
+              <a:t>()</a:t>
+            </a:r>
+            <a:r>
+              <a:rPr lang="en-US" sz="1400" dirty="0">
+                <a:solidFill>
+                  <a:schemeClr val="bg2">
+                    <a:lumMod val="25000"/>
+                  </a:schemeClr>
+                </a:solidFill>
+                <a:latin typeface="Garamond" charset="0"/>
+                <a:ea typeface="Garamond" charset="0"/>
+                <a:cs typeface="Garamond" charset="0"/>
+              </a:rPr>
+              <a:t> gives values based on a condition</a:t>
             </a:r>
           </a:p>
         </p:txBody>
@@ -5772,7 +5833,7 @@
         <p:spPr>
           <a:xfrm>
             <a:off x="8073055" y="2446763"/>
-            <a:ext cx="3443423" cy="307777"/>
+            <a:ext cx="3589260" cy="307777"/>
           </a:xfrm>
           <a:prstGeom prst="rect">
             <a:avLst/>
@@ -5799,7 +5860,7 @@
                 <a:ea typeface="Garamond" charset="0"/>
                 <a:cs typeface="Garamond" charset="0"/>
               </a:rPr>
-              <a:t>Factor</a:t>
+              <a:t>factor()</a:t>
             </a:r>
             <a:r>
               <a:rPr lang="en-US" sz="1400" dirty="0">
